--- a/Slides/PH223_Lecture_22.pptx
+++ b/Slides/PH223_Lecture_22.pptx
@@ -155,16 +155,40 @@
 </p:presentation>
 </file>
 
-<file path=ppt/revisionInfo.xml><?xml version="1.0" encoding="utf-8"?>
-<p1510:revInfo xmlns:a="http://schemas.openxmlformats.org/drawingml/2006/main" xmlns:r="http://schemas.openxmlformats.org/officeDocument/2006/relationships" xmlns:p1510="http://schemas.microsoft.com/office/powerpoint/2015/10/main">
-  <p1510:revLst>
-    <p1510:client id="{E4BD3EFB-67CB-400E-B6C0-6C551BA0413A}" v="6" dt="2023-10-16T21:56:02.196"/>
-  </p1510:revLst>
-</p1510:revInfo>
-</file>
-
 <file path=ppt/changesInfos/changesInfo1.xml><?xml version="1.0" encoding="utf-8"?>
 <pc:chgInfo xmlns:a="http://schemas.openxmlformats.org/drawingml/2006/main" xmlns:r="http://schemas.openxmlformats.org/officeDocument/2006/relationships" xmlns:ac="http://schemas.microsoft.com/office/drawing/2013/main/command" xmlns:pc="http://schemas.microsoft.com/office/powerpoint/2013/main/command">
+  <pc:docChgLst>
+    <pc:chgData name="Lines, Todd" userId="afaf7c3a-e8aa-4568-882a-02ad8f9e19b0" providerId="ADAL" clId="{DEED3451-3585-4F1D-B137-BFC593EC652B}"/>
+    <pc:docChg chg="modSld">
+      <pc:chgData name="Lines, Todd" userId="afaf7c3a-e8aa-4568-882a-02ad8f9e19b0" providerId="ADAL" clId="{DEED3451-3585-4F1D-B137-BFC593EC652B}" dt="2024-02-13T21:42:46.943" v="3" actId="20577"/>
+      <pc:docMkLst>
+        <pc:docMk/>
+      </pc:docMkLst>
+      <pc:sldChg chg="modSp mod">
+        <pc:chgData name="Lines, Todd" userId="afaf7c3a-e8aa-4568-882a-02ad8f9e19b0" providerId="ADAL" clId="{DEED3451-3585-4F1D-B137-BFC593EC652B}" dt="2024-02-13T21:42:46.943" v="3" actId="20577"/>
+        <pc:sldMkLst>
+          <pc:docMk/>
+          <pc:sldMk cId="1338488964" sldId="271"/>
+        </pc:sldMkLst>
+        <pc:spChg chg="mod">
+          <ac:chgData name="Lines, Todd" userId="afaf7c3a-e8aa-4568-882a-02ad8f9e19b0" providerId="ADAL" clId="{DEED3451-3585-4F1D-B137-BFC593EC652B}" dt="2024-02-13T21:42:43.073" v="0" actId="20577"/>
+          <ac:spMkLst>
+            <pc:docMk/>
+            <pc:sldMk cId="1338488964" sldId="271"/>
+            <ac:spMk id="2" creationId="{00000000-0000-0000-0000-000000000000}"/>
+          </ac:spMkLst>
+        </pc:spChg>
+        <pc:spChg chg="mod">
+          <ac:chgData name="Lines, Todd" userId="afaf7c3a-e8aa-4568-882a-02ad8f9e19b0" providerId="ADAL" clId="{DEED3451-3585-4F1D-B137-BFC593EC652B}" dt="2024-02-13T21:42:46.943" v="3" actId="20577"/>
+          <ac:spMkLst>
+            <pc:docMk/>
+            <pc:sldMk cId="1338488964" sldId="271"/>
+            <ac:spMk id="4" creationId="{00000000-0000-0000-0000-000000000000}"/>
+          </ac:spMkLst>
+        </pc:spChg>
+      </pc:sldChg>
+    </pc:docChg>
+  </pc:docChgLst>
   <pc:docChgLst>
     <pc:chgData name="Lines, Todd" userId="afaf7c3a-e8aa-4568-882a-02ad8f9e19b0" providerId="ADAL" clId="{E4BD3EFB-67CB-400E-B6C0-6C551BA0413A}"/>
     <pc:docChg chg="undo custSel addSld delSld modSld sldOrd">
@@ -787,7 +811,7 @@
           <a:p>
             <a:fld id="{A7FF42BF-5340-4FB8-9710-8BB452582013}" type="datetimeFigureOut">
               <a:rPr lang="en-US" smtClean="0"/>
-              <a:t>10/16/2023</a:t>
+              <a:t>2/13/2024</a:t>
             </a:fld>
             <a:endParaRPr lang="en-US"/>
           </a:p>
@@ -2274,7 +2298,7 @@
             <a:fld id="{6FEAEDA3-7C77-4F10-B41B-91E9EA50124A}" type="datetimeFigureOut">
               <a:rPr lang="en-US" smtClean="0"/>
               <a:pPr/>
-              <a:t>10/16/2023</a:t>
+              <a:t>2/13/2024</a:t>
             </a:fld>
             <a:endParaRPr lang="en-US"/>
           </a:p>
@@ -2439,7 +2463,7 @@
             <a:fld id="{6FEAEDA3-7C77-4F10-B41B-91E9EA50124A}" type="datetimeFigureOut">
               <a:rPr lang="en-US" smtClean="0"/>
               <a:pPr/>
-              <a:t>10/16/2023</a:t>
+              <a:t>2/13/2024</a:t>
             </a:fld>
             <a:endParaRPr lang="en-US"/>
           </a:p>
@@ -2614,7 +2638,7 @@
             <a:fld id="{6FEAEDA3-7C77-4F10-B41B-91E9EA50124A}" type="datetimeFigureOut">
               <a:rPr lang="en-US" smtClean="0"/>
               <a:pPr/>
-              <a:t>10/16/2023</a:t>
+              <a:t>2/13/2024</a:t>
             </a:fld>
             <a:endParaRPr lang="en-US"/>
           </a:p>
@@ -2779,7 +2803,7 @@
             <a:fld id="{6FEAEDA3-7C77-4F10-B41B-91E9EA50124A}" type="datetimeFigureOut">
               <a:rPr lang="en-US" smtClean="0"/>
               <a:pPr/>
-              <a:t>10/16/2023</a:t>
+              <a:t>2/13/2024</a:t>
             </a:fld>
             <a:endParaRPr lang="en-US"/>
           </a:p>
@@ -3021,7 +3045,7 @@
             <a:fld id="{6FEAEDA3-7C77-4F10-B41B-91E9EA50124A}" type="datetimeFigureOut">
               <a:rPr lang="en-US" smtClean="0"/>
               <a:pPr/>
-              <a:t>10/16/2023</a:t>
+              <a:t>2/13/2024</a:t>
             </a:fld>
             <a:endParaRPr lang="en-US"/>
           </a:p>
@@ -3303,7 +3327,7 @@
             <a:fld id="{6FEAEDA3-7C77-4F10-B41B-91E9EA50124A}" type="datetimeFigureOut">
               <a:rPr lang="en-US" smtClean="0"/>
               <a:pPr/>
-              <a:t>10/16/2023</a:t>
+              <a:t>2/13/2024</a:t>
             </a:fld>
             <a:endParaRPr lang="en-US"/>
           </a:p>
@@ -3719,7 +3743,7 @@
             <a:fld id="{6FEAEDA3-7C77-4F10-B41B-91E9EA50124A}" type="datetimeFigureOut">
               <a:rPr lang="en-US" smtClean="0"/>
               <a:pPr/>
-              <a:t>10/16/2023</a:t>
+              <a:t>2/13/2024</a:t>
             </a:fld>
             <a:endParaRPr lang="en-US"/>
           </a:p>
@@ -3833,7 +3857,7 @@
             <a:fld id="{6FEAEDA3-7C77-4F10-B41B-91E9EA50124A}" type="datetimeFigureOut">
               <a:rPr lang="en-US" smtClean="0"/>
               <a:pPr/>
-              <a:t>10/16/2023</a:t>
+              <a:t>2/13/2024</a:t>
             </a:fld>
             <a:endParaRPr lang="en-US"/>
           </a:p>
@@ -3925,7 +3949,7 @@
             <a:fld id="{6FEAEDA3-7C77-4F10-B41B-91E9EA50124A}" type="datetimeFigureOut">
               <a:rPr lang="en-US" smtClean="0"/>
               <a:pPr/>
-              <a:t>10/16/2023</a:t>
+              <a:t>2/13/2024</a:t>
             </a:fld>
             <a:endParaRPr lang="en-US"/>
           </a:p>
@@ -4197,7 +4221,7 @@
             <a:fld id="{6FEAEDA3-7C77-4F10-B41B-91E9EA50124A}" type="datetimeFigureOut">
               <a:rPr lang="en-US" smtClean="0"/>
               <a:pPr/>
-              <a:t>10/16/2023</a:t>
+              <a:t>2/13/2024</a:t>
             </a:fld>
             <a:endParaRPr lang="en-US"/>
           </a:p>
@@ -4446,7 +4470,7 @@
             <a:fld id="{6FEAEDA3-7C77-4F10-B41B-91E9EA50124A}" type="datetimeFigureOut">
               <a:rPr lang="en-US" smtClean="0"/>
               <a:pPr/>
-              <a:t>10/16/2023</a:t>
+              <a:t>2/13/2024</a:t>
             </a:fld>
             <a:endParaRPr lang="en-US"/>
           </a:p>
@@ -4654,7 +4678,7 @@
             <a:fld id="{6FEAEDA3-7C77-4F10-B41B-91E9EA50124A}" type="datetimeFigureOut">
               <a:rPr lang="en-US" smtClean="0"/>
               <a:pPr/>
-              <a:t>10/16/2023</a:t>
+              <a:t>2/13/2024</a:t>
             </a:fld>
             <a:endParaRPr lang="en-US"/>
           </a:p>
@@ -26204,7 +26228,7 @@
             </a:pPr>
             <a:r>
               <a:rPr lang="en-US" sz="2400" dirty="0"/>
-              <a:t>What is the field if L is very large</a:t>
+              <a:t>What is the field if L is very large?</a:t>
             </a:r>
           </a:p>
         </p:txBody>
@@ -26310,7 +26334,7 @@
             </a:pPr>
             <a:r>
               <a:rPr lang="en-US" sz="2400" dirty="0"/>
-              <a:t>What is the field if L is very large</a:t>
+              <a:t>What is the field if L is very large?</a:t>
             </a:r>
           </a:p>
           <a:p>

--- a/Slides/PH223_Lecture_22.pptx
+++ b/Slides/PH223_Lecture_22.pptx
@@ -184,6 +184,30 @@
             <pc:docMk/>
             <pc:sldMk cId="1338488964" sldId="271"/>
             <ac:spMk id="4" creationId="{00000000-0000-0000-0000-000000000000}"/>
+          </ac:spMkLst>
+        </pc:spChg>
+      </pc:sldChg>
+    </pc:docChg>
+  </pc:docChgLst>
+  <pc:docChgLst>
+    <pc:chgData name="Lines, Todd" userId="afaf7c3a-e8aa-4568-882a-02ad8f9e19b0" providerId="ADAL" clId="{FB89F3FE-8AC5-4E7E-8E7D-7A08A68CB90D}"/>
+    <pc:docChg chg="modSld">
+      <pc:chgData name="Lines, Todd" userId="afaf7c3a-e8aa-4568-882a-02ad8f9e19b0" providerId="ADAL" clId="{FB89F3FE-8AC5-4E7E-8E7D-7A08A68CB90D}" dt="2024-05-28T20:50:56.041" v="1" actId="20577"/>
+      <pc:docMkLst>
+        <pc:docMk/>
+      </pc:docMkLst>
+      <pc:sldChg chg="modSp mod">
+        <pc:chgData name="Lines, Todd" userId="afaf7c3a-e8aa-4568-882a-02ad8f9e19b0" providerId="ADAL" clId="{FB89F3FE-8AC5-4E7E-8E7D-7A08A68CB90D}" dt="2024-05-28T20:50:56.041" v="1" actId="20577"/>
+        <pc:sldMkLst>
+          <pc:docMk/>
+          <pc:sldMk cId="0" sldId="256"/>
+        </pc:sldMkLst>
+        <pc:spChg chg="mod">
+          <ac:chgData name="Lines, Todd" userId="afaf7c3a-e8aa-4568-882a-02ad8f9e19b0" providerId="ADAL" clId="{FB89F3FE-8AC5-4E7E-8E7D-7A08A68CB90D}" dt="2024-05-28T20:50:56.041" v="1" actId="20577"/>
+          <ac:spMkLst>
+            <pc:docMk/>
+            <pc:sldMk cId="0" sldId="256"/>
+            <ac:spMk id="6" creationId="{00000000-0000-0000-0000-000000000000}"/>
           </ac:spMkLst>
         </pc:spChg>
       </pc:sldChg>
@@ -811,7 +835,7 @@
           <a:p>
             <a:fld id="{A7FF42BF-5340-4FB8-9710-8BB452582013}" type="datetimeFigureOut">
               <a:rPr lang="en-US" smtClean="0"/>
-              <a:t>2/13/2024</a:t>
+              <a:t>5/28/2024</a:t>
             </a:fld>
             <a:endParaRPr lang="en-US"/>
           </a:p>
@@ -2298,7 +2322,7 @@
             <a:fld id="{6FEAEDA3-7C77-4F10-B41B-91E9EA50124A}" type="datetimeFigureOut">
               <a:rPr lang="en-US" smtClean="0"/>
               <a:pPr/>
-              <a:t>2/13/2024</a:t>
+              <a:t>5/28/2024</a:t>
             </a:fld>
             <a:endParaRPr lang="en-US"/>
           </a:p>
@@ -2463,7 +2487,7 @@
             <a:fld id="{6FEAEDA3-7C77-4F10-B41B-91E9EA50124A}" type="datetimeFigureOut">
               <a:rPr lang="en-US" smtClean="0"/>
               <a:pPr/>
-              <a:t>2/13/2024</a:t>
+              <a:t>5/28/2024</a:t>
             </a:fld>
             <a:endParaRPr lang="en-US"/>
           </a:p>
@@ -2638,7 +2662,7 @@
             <a:fld id="{6FEAEDA3-7C77-4F10-B41B-91E9EA50124A}" type="datetimeFigureOut">
               <a:rPr lang="en-US" smtClean="0"/>
               <a:pPr/>
-              <a:t>2/13/2024</a:t>
+              <a:t>5/28/2024</a:t>
             </a:fld>
             <a:endParaRPr lang="en-US"/>
           </a:p>
@@ -2803,7 +2827,7 @@
             <a:fld id="{6FEAEDA3-7C77-4F10-B41B-91E9EA50124A}" type="datetimeFigureOut">
               <a:rPr lang="en-US" smtClean="0"/>
               <a:pPr/>
-              <a:t>2/13/2024</a:t>
+              <a:t>5/28/2024</a:t>
             </a:fld>
             <a:endParaRPr lang="en-US"/>
           </a:p>
@@ -3045,7 +3069,7 @@
             <a:fld id="{6FEAEDA3-7C77-4F10-B41B-91E9EA50124A}" type="datetimeFigureOut">
               <a:rPr lang="en-US" smtClean="0"/>
               <a:pPr/>
-              <a:t>2/13/2024</a:t>
+              <a:t>5/28/2024</a:t>
             </a:fld>
             <a:endParaRPr lang="en-US"/>
           </a:p>
@@ -3327,7 +3351,7 @@
             <a:fld id="{6FEAEDA3-7C77-4F10-B41B-91E9EA50124A}" type="datetimeFigureOut">
               <a:rPr lang="en-US" smtClean="0"/>
               <a:pPr/>
-              <a:t>2/13/2024</a:t>
+              <a:t>5/28/2024</a:t>
             </a:fld>
             <a:endParaRPr lang="en-US"/>
           </a:p>
@@ -3743,7 +3767,7 @@
             <a:fld id="{6FEAEDA3-7C77-4F10-B41B-91E9EA50124A}" type="datetimeFigureOut">
               <a:rPr lang="en-US" smtClean="0"/>
               <a:pPr/>
-              <a:t>2/13/2024</a:t>
+              <a:t>5/28/2024</a:t>
             </a:fld>
             <a:endParaRPr lang="en-US"/>
           </a:p>
@@ -3857,7 +3881,7 @@
             <a:fld id="{6FEAEDA3-7C77-4F10-B41B-91E9EA50124A}" type="datetimeFigureOut">
               <a:rPr lang="en-US" smtClean="0"/>
               <a:pPr/>
-              <a:t>2/13/2024</a:t>
+              <a:t>5/28/2024</a:t>
             </a:fld>
             <a:endParaRPr lang="en-US"/>
           </a:p>
@@ -3949,7 +3973,7 @@
             <a:fld id="{6FEAEDA3-7C77-4F10-B41B-91E9EA50124A}" type="datetimeFigureOut">
               <a:rPr lang="en-US" smtClean="0"/>
               <a:pPr/>
-              <a:t>2/13/2024</a:t>
+              <a:t>5/28/2024</a:t>
             </a:fld>
             <a:endParaRPr lang="en-US"/>
           </a:p>
@@ -4221,7 +4245,7 @@
             <a:fld id="{6FEAEDA3-7C77-4F10-B41B-91E9EA50124A}" type="datetimeFigureOut">
               <a:rPr lang="en-US" smtClean="0"/>
               <a:pPr/>
-              <a:t>2/13/2024</a:t>
+              <a:t>5/28/2024</a:t>
             </a:fld>
             <a:endParaRPr lang="en-US"/>
           </a:p>
@@ -4470,7 +4494,7 @@
             <a:fld id="{6FEAEDA3-7C77-4F10-B41B-91E9EA50124A}" type="datetimeFigureOut">
               <a:rPr lang="en-US" smtClean="0"/>
               <a:pPr/>
-              <a:t>2/13/2024</a:t>
+              <a:t>5/28/2024</a:t>
             </a:fld>
             <a:endParaRPr lang="en-US"/>
           </a:p>
@@ -4678,7 +4702,7 @@
             <a:fld id="{6FEAEDA3-7C77-4F10-B41B-91E9EA50124A}" type="datetimeFigureOut">
               <a:rPr lang="en-US" smtClean="0"/>
               <a:pPr/>
-              <a:t>2/13/2024</a:t>
+              <a:t>5/28/2024</a:t>
             </a:fld>
             <a:endParaRPr lang="en-US"/>
           </a:p>

--- a/Slides/PH223_Lecture_22.pptx
+++ b/Slides/PH223_Lecture_22.pptx
@@ -159,13 +159,300 @@
 <file path=ppt/revisionInfo.xml><?xml version="1.0" encoding="utf-8"?>
 <p1510:revInfo xmlns:a="http://schemas.openxmlformats.org/drawingml/2006/main" xmlns:r="http://schemas.openxmlformats.org/officeDocument/2006/relationships" xmlns:p1510="http://schemas.microsoft.com/office/powerpoint/2015/10/main">
   <p1510:revLst>
-    <p1510:client id="{C3E364BC-B8C8-4CBF-B90F-FEDC4D0E3BBC}" v="1" dt="2023-11-17T18:48:32.556"/>
+    <p1510:client id="{D47AB083-94D3-4F99-BE24-FB6FD08F8295}" v="6" dt="2025-10-20T23:01:07.701"/>
   </p1510:revLst>
 </p1510:revInfo>
 </file>
 
 <file path=ppt/changesInfos/changesInfo1.xml><?xml version="1.0" encoding="utf-8"?>
 <pc:chgInfo xmlns:a="http://schemas.openxmlformats.org/drawingml/2006/main" xmlns:r="http://schemas.openxmlformats.org/officeDocument/2006/relationships" xmlns:ac="http://schemas.microsoft.com/office/drawing/2013/main/command" xmlns:pc="http://schemas.microsoft.com/office/powerpoint/2013/main/command">
+  <pc:docChgLst>
+    <pc:chgData name="Lines, Todd" userId="afaf7c3a-e8aa-4568-882a-02ad8f9e19b0" providerId="ADAL" clId="{5FF5AC1B-ABA9-43D7-A1E3-2D92732CD6E2}"/>
+    <pc:docChg chg="custSel modSld">
+      <pc:chgData name="Lines, Todd" userId="afaf7c3a-e8aa-4568-882a-02ad8f9e19b0" providerId="ADAL" clId="{5FF5AC1B-ABA9-43D7-A1E3-2D92732CD6E2}" dt="2025-10-20T23:01:07.701" v="16"/>
+      <pc:docMkLst>
+        <pc:docMk/>
+      </pc:docMkLst>
+      <pc:sldChg chg="modSp">
+        <pc:chgData name="Lines, Todd" userId="afaf7c3a-e8aa-4568-882a-02ad8f9e19b0" providerId="ADAL" clId="{5FF5AC1B-ABA9-43D7-A1E3-2D92732CD6E2}" dt="2025-10-20T23:01:07.701" v="16"/>
+        <pc:sldMkLst>
+          <pc:docMk/>
+          <pc:sldMk cId="0" sldId="904"/>
+        </pc:sldMkLst>
+        <pc:spChg chg="mod">
+          <ac:chgData name="Lines, Todd" userId="afaf7c3a-e8aa-4568-882a-02ad8f9e19b0" providerId="ADAL" clId="{5FF5AC1B-ABA9-43D7-A1E3-2D92732CD6E2}" dt="2025-10-20T23:01:07.701" v="16"/>
+          <ac:spMkLst>
+            <pc:docMk/>
+            <pc:sldMk cId="0" sldId="904"/>
+            <ac:spMk id="1781791" creationId="{00000000-0000-0000-0000-000000000000}"/>
+          </ac:spMkLst>
+        </pc:spChg>
+      </pc:sldChg>
+      <pc:sldChg chg="modSp">
+        <pc:chgData name="Lines, Todd" userId="afaf7c3a-e8aa-4568-882a-02ad8f9e19b0" providerId="ADAL" clId="{5FF5AC1B-ABA9-43D7-A1E3-2D92732CD6E2}" dt="2025-10-20T23:01:07.701" v="16"/>
+        <pc:sldMkLst>
+          <pc:docMk/>
+          <pc:sldMk cId="0" sldId="905"/>
+        </pc:sldMkLst>
+        <pc:spChg chg="mod">
+          <ac:chgData name="Lines, Todd" userId="afaf7c3a-e8aa-4568-882a-02ad8f9e19b0" providerId="ADAL" clId="{5FF5AC1B-ABA9-43D7-A1E3-2D92732CD6E2}" dt="2025-10-20T23:01:07.701" v="16"/>
+          <ac:spMkLst>
+            <pc:docMk/>
+            <pc:sldMk cId="0" sldId="905"/>
+            <ac:spMk id="1783842" creationId="{00000000-0000-0000-0000-000000000000}"/>
+          </ac:spMkLst>
+        </pc:spChg>
+      </pc:sldChg>
+      <pc:sldChg chg="modSp">
+        <pc:chgData name="Lines, Todd" userId="afaf7c3a-e8aa-4568-882a-02ad8f9e19b0" providerId="ADAL" clId="{5FF5AC1B-ABA9-43D7-A1E3-2D92732CD6E2}" dt="2025-10-20T23:01:07.701" v="16"/>
+        <pc:sldMkLst>
+          <pc:docMk/>
+          <pc:sldMk cId="0" sldId="906"/>
+        </pc:sldMkLst>
+        <pc:spChg chg="mod">
+          <ac:chgData name="Lines, Todd" userId="afaf7c3a-e8aa-4568-882a-02ad8f9e19b0" providerId="ADAL" clId="{5FF5AC1B-ABA9-43D7-A1E3-2D92732CD6E2}" dt="2025-10-20T23:01:07.701" v="16"/>
+          <ac:spMkLst>
+            <pc:docMk/>
+            <pc:sldMk cId="0" sldId="906"/>
+            <ac:spMk id="1785860" creationId="{00000000-0000-0000-0000-000000000000}"/>
+          </ac:spMkLst>
+        </pc:spChg>
+      </pc:sldChg>
+      <pc:sldChg chg="modSp">
+        <pc:chgData name="Lines, Todd" userId="afaf7c3a-e8aa-4568-882a-02ad8f9e19b0" providerId="ADAL" clId="{5FF5AC1B-ABA9-43D7-A1E3-2D92732CD6E2}" dt="2025-10-20T23:01:07.701" v="16"/>
+        <pc:sldMkLst>
+          <pc:docMk/>
+          <pc:sldMk cId="0" sldId="907"/>
+        </pc:sldMkLst>
+        <pc:spChg chg="mod">
+          <ac:chgData name="Lines, Todd" userId="afaf7c3a-e8aa-4568-882a-02ad8f9e19b0" providerId="ADAL" clId="{5FF5AC1B-ABA9-43D7-A1E3-2D92732CD6E2}" dt="2025-10-20T23:01:07.701" v="16"/>
+          <ac:spMkLst>
+            <pc:docMk/>
+            <pc:sldMk cId="0" sldId="907"/>
+            <ac:spMk id="1787939" creationId="{00000000-0000-0000-0000-000000000000}"/>
+          </ac:spMkLst>
+        </pc:spChg>
+      </pc:sldChg>
+      <pc:sldChg chg="addSp delSp modSp mod">
+        <pc:chgData name="Lines, Todd" userId="afaf7c3a-e8aa-4568-882a-02ad8f9e19b0" providerId="ADAL" clId="{5FF5AC1B-ABA9-43D7-A1E3-2D92732CD6E2}" dt="2025-10-20T22:58:15.880" v="11"/>
+        <pc:sldMkLst>
+          <pc:docMk/>
+          <pc:sldMk cId="0" sldId="909"/>
+        </pc:sldMkLst>
+        <pc:spChg chg="add mod">
+          <ac:chgData name="Lines, Todd" userId="afaf7c3a-e8aa-4568-882a-02ad8f9e19b0" providerId="ADAL" clId="{5FF5AC1B-ABA9-43D7-A1E3-2D92732CD6E2}" dt="2025-10-20T22:58:15.880" v="11"/>
+          <ac:spMkLst>
+            <pc:docMk/>
+            <pc:sldMk cId="0" sldId="909"/>
+            <ac:spMk id="8" creationId="{7E657F6A-F4CA-E580-30F1-DF35AD880829}"/>
+          </ac:spMkLst>
+        </pc:spChg>
+        <pc:spChg chg="del">
+          <ac:chgData name="Lines, Todd" userId="afaf7c3a-e8aa-4568-882a-02ad8f9e19b0" providerId="ADAL" clId="{5FF5AC1B-ABA9-43D7-A1E3-2D92732CD6E2}" dt="2025-10-20T22:58:15.691" v="10" actId="478"/>
+          <ac:spMkLst>
+            <pc:docMk/>
+            <pc:sldMk cId="0" sldId="909"/>
+            <ac:spMk id="1789981" creationId="{00000000-0000-0000-0000-000000000000}"/>
+          </ac:spMkLst>
+        </pc:spChg>
+      </pc:sldChg>
+      <pc:sldChg chg="modSp mod">
+        <pc:chgData name="Lines, Todd" userId="afaf7c3a-e8aa-4568-882a-02ad8f9e19b0" providerId="ADAL" clId="{5FF5AC1B-ABA9-43D7-A1E3-2D92732CD6E2}" dt="2025-10-20T22:58:05.631" v="9" actId="20577"/>
+        <pc:sldMkLst>
+          <pc:docMk/>
+          <pc:sldMk cId="0" sldId="910"/>
+        </pc:sldMkLst>
+        <pc:spChg chg="mod">
+          <ac:chgData name="Lines, Todd" userId="afaf7c3a-e8aa-4568-882a-02ad8f9e19b0" providerId="ADAL" clId="{5FF5AC1B-ABA9-43D7-A1E3-2D92732CD6E2}" dt="2025-10-20T22:58:05.631" v="9" actId="20577"/>
+          <ac:spMkLst>
+            <pc:docMk/>
+            <pc:sldMk cId="0" sldId="910"/>
+            <ac:spMk id="1792035" creationId="{00000000-0000-0000-0000-000000000000}"/>
+          </ac:spMkLst>
+        </pc:spChg>
+      </pc:sldChg>
+      <pc:sldChg chg="modSp">
+        <pc:chgData name="Lines, Todd" userId="afaf7c3a-e8aa-4568-882a-02ad8f9e19b0" providerId="ADAL" clId="{5FF5AC1B-ABA9-43D7-A1E3-2D92732CD6E2}" dt="2025-10-20T23:00:56.826" v="15"/>
+        <pc:sldMkLst>
+          <pc:docMk/>
+          <pc:sldMk cId="0" sldId="911"/>
+        </pc:sldMkLst>
+        <pc:spChg chg="mod">
+          <ac:chgData name="Lines, Todd" userId="afaf7c3a-e8aa-4568-882a-02ad8f9e19b0" providerId="ADAL" clId="{5FF5AC1B-ABA9-43D7-A1E3-2D92732CD6E2}" dt="2025-10-20T23:00:56.826" v="15"/>
+          <ac:spMkLst>
+            <pc:docMk/>
+            <pc:sldMk cId="0" sldId="911"/>
+            <ac:spMk id="1794052" creationId="{00000000-0000-0000-0000-000000000000}"/>
+          </ac:spMkLst>
+        </pc:spChg>
+      </pc:sldChg>
+      <pc:sldChg chg="modSp">
+        <pc:chgData name="Lines, Todd" userId="afaf7c3a-e8aa-4568-882a-02ad8f9e19b0" providerId="ADAL" clId="{5FF5AC1B-ABA9-43D7-A1E3-2D92732CD6E2}" dt="2025-10-20T23:00:56.826" v="15"/>
+        <pc:sldMkLst>
+          <pc:docMk/>
+          <pc:sldMk cId="0" sldId="912"/>
+        </pc:sldMkLst>
+        <pc:spChg chg="mod">
+          <ac:chgData name="Lines, Todd" userId="afaf7c3a-e8aa-4568-882a-02ad8f9e19b0" providerId="ADAL" clId="{5FF5AC1B-ABA9-43D7-A1E3-2D92732CD6E2}" dt="2025-10-20T23:00:56.826" v="15"/>
+          <ac:spMkLst>
+            <pc:docMk/>
+            <pc:sldMk cId="0" sldId="912"/>
+            <ac:spMk id="1796170" creationId="{00000000-0000-0000-0000-000000000000}"/>
+          </ac:spMkLst>
+        </pc:spChg>
+      </pc:sldChg>
+      <pc:sldChg chg="modSp">
+        <pc:chgData name="Lines, Todd" userId="afaf7c3a-e8aa-4568-882a-02ad8f9e19b0" providerId="ADAL" clId="{5FF5AC1B-ABA9-43D7-A1E3-2D92732CD6E2}" dt="2025-10-20T23:01:07.701" v="16"/>
+        <pc:sldMkLst>
+          <pc:docMk/>
+          <pc:sldMk cId="0" sldId="913"/>
+        </pc:sldMkLst>
+        <pc:spChg chg="mod">
+          <ac:chgData name="Lines, Todd" userId="afaf7c3a-e8aa-4568-882a-02ad8f9e19b0" providerId="ADAL" clId="{5FF5AC1B-ABA9-43D7-A1E3-2D92732CD6E2}" dt="2025-10-20T23:01:07.701" v="16"/>
+          <ac:spMkLst>
+            <pc:docMk/>
+            <pc:sldMk cId="0" sldId="913"/>
+            <ac:spMk id="2416666" creationId="{00000000-0000-0000-0000-000000000000}"/>
+          </ac:spMkLst>
+        </pc:spChg>
+      </pc:sldChg>
+      <pc:sldChg chg="modSp">
+        <pc:chgData name="Lines, Todd" userId="afaf7c3a-e8aa-4568-882a-02ad8f9e19b0" providerId="ADAL" clId="{5FF5AC1B-ABA9-43D7-A1E3-2D92732CD6E2}" dt="2025-10-20T23:01:07.701" v="16"/>
+        <pc:sldMkLst>
+          <pc:docMk/>
+          <pc:sldMk cId="0" sldId="914"/>
+        </pc:sldMkLst>
+        <pc:spChg chg="mod">
+          <ac:chgData name="Lines, Todd" userId="afaf7c3a-e8aa-4568-882a-02ad8f9e19b0" providerId="ADAL" clId="{5FF5AC1B-ABA9-43D7-A1E3-2D92732CD6E2}" dt="2025-10-20T23:01:07.701" v="16"/>
+          <ac:spMkLst>
+            <pc:docMk/>
+            <pc:sldMk cId="0" sldId="914"/>
+            <ac:spMk id="2418717" creationId="{00000000-0000-0000-0000-000000000000}"/>
+          </ac:spMkLst>
+        </pc:spChg>
+      </pc:sldChg>
+      <pc:sldChg chg="modSp">
+        <pc:chgData name="Lines, Todd" userId="afaf7c3a-e8aa-4568-882a-02ad8f9e19b0" providerId="ADAL" clId="{5FF5AC1B-ABA9-43D7-A1E3-2D92732CD6E2}" dt="2025-10-20T23:01:07.701" v="16"/>
+        <pc:sldMkLst>
+          <pc:docMk/>
+          <pc:sldMk cId="0" sldId="915"/>
+        </pc:sldMkLst>
+        <pc:spChg chg="mod">
+          <ac:chgData name="Lines, Todd" userId="afaf7c3a-e8aa-4568-882a-02ad8f9e19b0" providerId="ADAL" clId="{5FF5AC1B-ABA9-43D7-A1E3-2D92732CD6E2}" dt="2025-10-20T23:01:07.701" v="16"/>
+          <ac:spMkLst>
+            <pc:docMk/>
+            <pc:sldMk cId="0" sldId="915"/>
+            <ac:spMk id="1798167" creationId="{00000000-0000-0000-0000-000000000000}"/>
+          </ac:spMkLst>
+        </pc:spChg>
+      </pc:sldChg>
+      <pc:sldChg chg="modSp">
+        <pc:chgData name="Lines, Todd" userId="afaf7c3a-e8aa-4568-882a-02ad8f9e19b0" providerId="ADAL" clId="{5FF5AC1B-ABA9-43D7-A1E3-2D92732CD6E2}" dt="2025-10-20T23:01:07.701" v="16"/>
+        <pc:sldMkLst>
+          <pc:docMk/>
+          <pc:sldMk cId="0" sldId="916"/>
+        </pc:sldMkLst>
+        <pc:spChg chg="mod">
+          <ac:chgData name="Lines, Todd" userId="afaf7c3a-e8aa-4568-882a-02ad8f9e19b0" providerId="ADAL" clId="{5FF5AC1B-ABA9-43D7-A1E3-2D92732CD6E2}" dt="2025-10-20T23:01:07.701" v="16"/>
+          <ac:spMkLst>
+            <pc:docMk/>
+            <pc:sldMk cId="0" sldId="916"/>
+            <ac:spMk id="1800218" creationId="{00000000-0000-0000-0000-000000000000}"/>
+          </ac:spMkLst>
+        </pc:spChg>
+      </pc:sldChg>
+      <pc:sldChg chg="modSp">
+        <pc:chgData name="Lines, Todd" userId="afaf7c3a-e8aa-4568-882a-02ad8f9e19b0" providerId="ADAL" clId="{5FF5AC1B-ABA9-43D7-A1E3-2D92732CD6E2}" dt="2025-10-20T23:01:07.701" v="16"/>
+        <pc:sldMkLst>
+          <pc:docMk/>
+          <pc:sldMk cId="0" sldId="1174"/>
+        </pc:sldMkLst>
+        <pc:spChg chg="mod">
+          <ac:chgData name="Lines, Todd" userId="afaf7c3a-e8aa-4568-882a-02ad8f9e19b0" providerId="ADAL" clId="{5FF5AC1B-ABA9-43D7-A1E3-2D92732CD6E2}" dt="2025-10-20T23:01:07.701" v="16"/>
+          <ac:spMkLst>
+            <pc:docMk/>
+            <pc:sldMk cId="0" sldId="1174"/>
+            <ac:spMk id="1773573" creationId="{00000000-0000-0000-0000-000000000000}"/>
+          </ac:spMkLst>
+        </pc:spChg>
+      </pc:sldChg>
+      <pc:sldChg chg="modSp">
+        <pc:chgData name="Lines, Todd" userId="afaf7c3a-e8aa-4568-882a-02ad8f9e19b0" providerId="ADAL" clId="{5FF5AC1B-ABA9-43D7-A1E3-2D92732CD6E2}" dt="2025-10-20T23:01:07.701" v="16"/>
+        <pc:sldMkLst>
+          <pc:docMk/>
+          <pc:sldMk cId="0" sldId="1175"/>
+        </pc:sldMkLst>
+        <pc:spChg chg="mod">
+          <ac:chgData name="Lines, Todd" userId="afaf7c3a-e8aa-4568-882a-02ad8f9e19b0" providerId="ADAL" clId="{5FF5AC1B-ABA9-43D7-A1E3-2D92732CD6E2}" dt="2025-10-20T23:01:07.701" v="16"/>
+          <ac:spMkLst>
+            <pc:docMk/>
+            <pc:sldMk cId="0" sldId="1175"/>
+            <ac:spMk id="1775624" creationId="{00000000-0000-0000-0000-000000000000}"/>
+          </ac:spMkLst>
+        </pc:spChg>
+      </pc:sldChg>
+      <pc:sldChg chg="modSp">
+        <pc:chgData name="Lines, Todd" userId="afaf7c3a-e8aa-4568-882a-02ad8f9e19b0" providerId="ADAL" clId="{5FF5AC1B-ABA9-43D7-A1E3-2D92732CD6E2}" dt="2025-10-20T23:01:07.701" v="16"/>
+        <pc:sldMkLst>
+          <pc:docMk/>
+          <pc:sldMk cId="0" sldId="1176"/>
+        </pc:sldMkLst>
+        <pc:spChg chg="mod">
+          <ac:chgData name="Lines, Todd" userId="afaf7c3a-e8aa-4568-882a-02ad8f9e19b0" providerId="ADAL" clId="{5FF5AC1B-ABA9-43D7-A1E3-2D92732CD6E2}" dt="2025-10-20T23:01:07.701" v="16"/>
+          <ac:spMkLst>
+            <pc:docMk/>
+            <pc:sldMk cId="0" sldId="1176"/>
+            <ac:spMk id="1777683" creationId="{00000000-0000-0000-0000-000000000000}"/>
+          </ac:spMkLst>
+        </pc:spChg>
+      </pc:sldChg>
+      <pc:sldChg chg="modSp">
+        <pc:chgData name="Lines, Todd" userId="afaf7c3a-e8aa-4568-882a-02ad8f9e19b0" providerId="ADAL" clId="{5FF5AC1B-ABA9-43D7-A1E3-2D92732CD6E2}" dt="2025-10-20T23:01:07.701" v="16"/>
+        <pc:sldMkLst>
+          <pc:docMk/>
+          <pc:sldMk cId="0" sldId="1177"/>
+        </pc:sldMkLst>
+        <pc:spChg chg="mod">
+          <ac:chgData name="Lines, Todd" userId="afaf7c3a-e8aa-4568-882a-02ad8f9e19b0" providerId="ADAL" clId="{5FF5AC1B-ABA9-43D7-A1E3-2D92732CD6E2}" dt="2025-10-20T23:01:07.701" v="16"/>
+          <ac:spMkLst>
+            <pc:docMk/>
+            <pc:sldMk cId="0" sldId="1177"/>
+            <ac:spMk id="1779734" creationId="{00000000-0000-0000-0000-000000000000}"/>
+          </ac:spMkLst>
+        </pc:spChg>
+      </pc:sldChg>
+      <pc:sldChg chg="modSp">
+        <pc:chgData name="Lines, Todd" userId="afaf7c3a-e8aa-4568-882a-02ad8f9e19b0" providerId="ADAL" clId="{5FF5AC1B-ABA9-43D7-A1E3-2D92732CD6E2}" dt="2025-10-20T23:00:47.041" v="14"/>
+        <pc:sldMkLst>
+          <pc:docMk/>
+          <pc:sldMk cId="0" sldId="1178"/>
+        </pc:sldMkLst>
+        <pc:spChg chg="mod">
+          <ac:chgData name="Lines, Todd" userId="afaf7c3a-e8aa-4568-882a-02ad8f9e19b0" providerId="ADAL" clId="{5FF5AC1B-ABA9-43D7-A1E3-2D92732CD6E2}" dt="2025-10-20T23:00:47.041" v="14"/>
+          <ac:spMkLst>
+            <pc:docMk/>
+            <pc:sldMk cId="0" sldId="1178"/>
+            <ac:spMk id="1802250" creationId="{00000000-0000-0000-0000-000000000000}"/>
+          </ac:spMkLst>
+        </pc:spChg>
+      </pc:sldChg>
+      <pc:sldChg chg="modSp">
+        <pc:chgData name="Lines, Todd" userId="afaf7c3a-e8aa-4568-882a-02ad8f9e19b0" providerId="ADAL" clId="{5FF5AC1B-ABA9-43D7-A1E3-2D92732CD6E2}" dt="2025-10-20T23:00:47.041" v="14"/>
+        <pc:sldMkLst>
+          <pc:docMk/>
+          <pc:sldMk cId="0" sldId="1179"/>
+        </pc:sldMkLst>
+        <pc:spChg chg="mod">
+          <ac:chgData name="Lines, Todd" userId="afaf7c3a-e8aa-4568-882a-02ad8f9e19b0" providerId="ADAL" clId="{5FF5AC1B-ABA9-43D7-A1E3-2D92732CD6E2}" dt="2025-10-20T23:00:47.041" v="14"/>
+          <ac:spMkLst>
+            <pc:docMk/>
+            <pc:sldMk cId="0" sldId="1179"/>
+            <ac:spMk id="1804302" creationId="{00000000-0000-0000-0000-000000000000}"/>
+          </ac:spMkLst>
+        </pc:spChg>
+      </pc:sldChg>
+    </pc:docChg>
+  </pc:docChgLst>
   <pc:docChgLst>
     <pc:chgData name="Lines, Todd" userId="afaf7c3a-e8aa-4568-882a-02ad8f9e19b0" providerId="ADAL" clId="{C3E364BC-B8C8-4CBF-B90F-FEDC4D0E3BBC}"/>
     <pc:docChg chg="custSel addSld delSld modSld sldOrd">
@@ -333,38 +620,6 @@
           <pc:docMk/>
           <pc:sldMk cId="1260986966" sldId="1180"/>
         </pc:sldMkLst>
-        <pc:spChg chg="del mod ord">
-          <ac:chgData name="Lines, Todd" userId="afaf7c3a-e8aa-4568-882a-02ad8f9e19b0" providerId="ADAL" clId="{C3E364BC-B8C8-4CBF-B90F-FEDC4D0E3BBC}" dt="2023-11-20T15:17:56.955" v="13" actId="700"/>
-          <ac:spMkLst>
-            <pc:docMk/>
-            <pc:sldMk cId="1260986966" sldId="1180"/>
-            <ac:spMk id="2" creationId="{6B35B9F4-4225-7F34-6B35-BDCDE2F8F3B8}"/>
-          </ac:spMkLst>
-        </pc:spChg>
-        <pc:spChg chg="del mod ord">
-          <ac:chgData name="Lines, Todd" userId="afaf7c3a-e8aa-4568-882a-02ad8f9e19b0" providerId="ADAL" clId="{C3E364BC-B8C8-4CBF-B90F-FEDC4D0E3BBC}" dt="2023-11-20T15:17:56.955" v="13" actId="700"/>
-          <ac:spMkLst>
-            <pc:docMk/>
-            <pc:sldMk cId="1260986966" sldId="1180"/>
-            <ac:spMk id="3" creationId="{BACB10ED-E9B2-D910-92C0-0B0B792FDFB4}"/>
-          </ac:spMkLst>
-        </pc:spChg>
-        <pc:spChg chg="add mod ord">
-          <ac:chgData name="Lines, Todd" userId="afaf7c3a-e8aa-4568-882a-02ad8f9e19b0" providerId="ADAL" clId="{C3E364BC-B8C8-4CBF-B90F-FEDC4D0E3BBC}" dt="2023-11-20T15:18:00.080" v="21" actId="20577"/>
-          <ac:spMkLst>
-            <pc:docMk/>
-            <pc:sldMk cId="1260986966" sldId="1180"/>
-            <ac:spMk id="4" creationId="{B4833A9C-52A7-5291-CA9C-719F58449C41}"/>
-          </ac:spMkLst>
-        </pc:spChg>
-        <pc:spChg chg="add mod ord">
-          <ac:chgData name="Lines, Todd" userId="afaf7c3a-e8aa-4568-882a-02ad8f9e19b0" providerId="ADAL" clId="{C3E364BC-B8C8-4CBF-B90F-FEDC4D0E3BBC}" dt="2023-11-20T15:18:50.764" v="170" actId="20577"/>
-          <ac:spMkLst>
-            <pc:docMk/>
-            <pc:sldMk cId="1260986966" sldId="1180"/>
-            <ac:spMk id="5" creationId="{84D9FC37-56E8-AB61-E582-E2EB5E43B398}"/>
-          </ac:spMkLst>
-        </pc:spChg>
       </pc:sldChg>
       <pc:sldChg chg="modSp new mod">
         <pc:chgData name="Lines, Todd" userId="afaf7c3a-e8aa-4568-882a-02ad8f9e19b0" providerId="ADAL" clId="{C3E364BC-B8C8-4CBF-B90F-FEDC4D0E3BBC}" dt="2023-11-20T15:21:11.560" v="404" actId="20577"/>
@@ -372,22 +627,6 @@
           <pc:docMk/>
           <pc:sldMk cId="991711274" sldId="1181"/>
         </pc:sldMkLst>
-        <pc:spChg chg="mod">
-          <ac:chgData name="Lines, Todd" userId="afaf7c3a-e8aa-4568-882a-02ad8f9e19b0" providerId="ADAL" clId="{C3E364BC-B8C8-4CBF-B90F-FEDC4D0E3BBC}" dt="2023-11-20T15:20:02.476" v="179" actId="20577"/>
-          <ac:spMkLst>
-            <pc:docMk/>
-            <pc:sldMk cId="991711274" sldId="1181"/>
-            <ac:spMk id="2" creationId="{23AD1B11-35D3-FF83-18CC-75B2E9B0E1E3}"/>
-          </ac:spMkLst>
-        </pc:spChg>
-        <pc:spChg chg="mod">
-          <ac:chgData name="Lines, Todd" userId="afaf7c3a-e8aa-4568-882a-02ad8f9e19b0" providerId="ADAL" clId="{C3E364BC-B8C8-4CBF-B90F-FEDC4D0E3BBC}" dt="2023-11-20T15:21:11.560" v="404" actId="20577"/>
-          <ac:spMkLst>
-            <pc:docMk/>
-            <pc:sldMk cId="991711274" sldId="1181"/>
-            <ac:spMk id="3" creationId="{3178D2DB-4E00-A132-3DE8-6EA8818F9FD0}"/>
-          </ac:spMkLst>
-        </pc:spChg>
       </pc:sldChg>
       <pc:sldMasterChg chg="delSldLayout">
         <pc:chgData name="Lines, Todd" userId="afaf7c3a-e8aa-4568-882a-02ad8f9e19b0" providerId="ADAL" clId="{C3E364BC-B8C8-4CBF-B90F-FEDC4D0E3BBC}" dt="2023-11-17T19:22:05.549" v="5" actId="47"/>
@@ -491,7 +730,7 @@
           <a:p>
             <a:fld id="{29814FC3-B845-497C-807B-C13F1D202AFD}" type="datetimeFigureOut">
               <a:rPr lang="en-US" smtClean="0"/>
-              <a:t>11/20/2023</a:t>
+              <a:t>10/20/2025</a:t>
             </a:fld>
             <a:endParaRPr lang="en-US"/>
           </a:p>
@@ -2546,7 +2785,7 @@
             <a:fld id="{521CCDD0-9CAC-4368-8A8C-962BA0DE098E}" type="datetimeFigureOut">
               <a:rPr lang="en-US" smtClean="0"/>
               <a:pPr/>
-              <a:t>11/20/2023</a:t>
+              <a:t>10/20/2025</a:t>
             </a:fld>
             <a:endParaRPr lang="en-US" dirty="0"/>
           </a:p>
@@ -2711,7 +2950,7 @@
             <a:fld id="{521CCDD0-9CAC-4368-8A8C-962BA0DE098E}" type="datetimeFigureOut">
               <a:rPr lang="en-US" smtClean="0"/>
               <a:pPr/>
-              <a:t>11/20/2023</a:t>
+              <a:t>10/20/2025</a:t>
             </a:fld>
             <a:endParaRPr lang="en-US" dirty="0"/>
           </a:p>
@@ -2886,7 +3125,7 @@
             <a:fld id="{521CCDD0-9CAC-4368-8A8C-962BA0DE098E}" type="datetimeFigureOut">
               <a:rPr lang="en-US" smtClean="0"/>
               <a:pPr/>
-              <a:t>11/20/2023</a:t>
+              <a:t>10/20/2025</a:t>
             </a:fld>
             <a:endParaRPr lang="en-US" dirty="0"/>
           </a:p>
@@ -3312,7 +3551,7 @@
             <a:fld id="{521CCDD0-9CAC-4368-8A8C-962BA0DE098E}" type="datetimeFigureOut">
               <a:rPr lang="en-US" smtClean="0"/>
               <a:pPr/>
-              <a:t>11/20/2023</a:t>
+              <a:t>10/20/2025</a:t>
             </a:fld>
             <a:endParaRPr lang="en-US" dirty="0"/>
           </a:p>
@@ -3554,7 +3793,7 @@
             <a:fld id="{521CCDD0-9CAC-4368-8A8C-962BA0DE098E}" type="datetimeFigureOut">
               <a:rPr lang="en-US" smtClean="0"/>
               <a:pPr/>
-              <a:t>11/20/2023</a:t>
+              <a:t>10/20/2025</a:t>
             </a:fld>
             <a:endParaRPr lang="en-US" dirty="0"/>
           </a:p>
@@ -3836,7 +4075,7 @@
             <a:fld id="{521CCDD0-9CAC-4368-8A8C-962BA0DE098E}" type="datetimeFigureOut">
               <a:rPr lang="en-US" smtClean="0"/>
               <a:pPr/>
-              <a:t>11/20/2023</a:t>
+              <a:t>10/20/2025</a:t>
             </a:fld>
             <a:endParaRPr lang="en-US" dirty="0"/>
           </a:p>
@@ -4252,7 +4491,7 @@
             <a:fld id="{521CCDD0-9CAC-4368-8A8C-962BA0DE098E}" type="datetimeFigureOut">
               <a:rPr lang="en-US" smtClean="0"/>
               <a:pPr/>
-              <a:t>11/20/2023</a:t>
+              <a:t>10/20/2025</a:t>
             </a:fld>
             <a:endParaRPr lang="en-US" dirty="0"/>
           </a:p>
@@ -4366,7 +4605,7 @@
             <a:fld id="{521CCDD0-9CAC-4368-8A8C-962BA0DE098E}" type="datetimeFigureOut">
               <a:rPr lang="en-US" smtClean="0"/>
               <a:pPr/>
-              <a:t>11/20/2023</a:t>
+              <a:t>10/20/2025</a:t>
             </a:fld>
             <a:endParaRPr lang="en-US" dirty="0"/>
           </a:p>
@@ -4458,7 +4697,7 @@
             <a:fld id="{521CCDD0-9CAC-4368-8A8C-962BA0DE098E}" type="datetimeFigureOut">
               <a:rPr lang="en-US" smtClean="0"/>
               <a:pPr/>
-              <a:t>11/20/2023</a:t>
+              <a:t>10/20/2025</a:t>
             </a:fld>
             <a:endParaRPr lang="en-US" dirty="0"/>
           </a:p>
@@ -4730,7 +4969,7 @@
             <a:fld id="{521CCDD0-9CAC-4368-8A8C-962BA0DE098E}" type="datetimeFigureOut">
               <a:rPr lang="en-US" smtClean="0"/>
               <a:pPr/>
-              <a:t>11/20/2023</a:t>
+              <a:t>10/20/2025</a:t>
             </a:fld>
             <a:endParaRPr lang="en-US" dirty="0"/>
           </a:p>
@@ -4979,7 +5218,7 @@
             <a:fld id="{521CCDD0-9CAC-4368-8A8C-962BA0DE098E}" type="datetimeFigureOut">
               <a:rPr lang="en-US" smtClean="0"/>
               <a:pPr/>
-              <a:t>11/20/2023</a:t>
+              <a:t>10/20/2025</a:t>
             </a:fld>
             <a:endParaRPr lang="en-US" dirty="0"/>
           </a:p>
@@ -5187,7 +5426,7 @@
             <a:fld id="{521CCDD0-9CAC-4368-8A8C-962BA0DE098E}" type="datetimeFigureOut">
               <a:rPr lang="en-US" smtClean="0"/>
               <a:pPr/>
-              <a:t>11/20/2023</a:t>
+              <a:t>10/20/2025</a:t>
             </a:fld>
             <a:endParaRPr lang="en-US" dirty="0"/>
           </a:p>
@@ -6708,7 +6947,7 @@
         <p:spPr bwMode="auto">
           <a:xfrm>
             <a:off x="6089650" y="677863"/>
-            <a:ext cx="2317750" cy="1924050"/>
+            <a:ext cx="2317750" cy="1945790"/>
           </a:xfrm>
           <a:prstGeom prst="rect">
             <a:avLst/>
@@ -6747,7 +6986,7 @@
                   </a:outerShdw>
                 </a:effectLst>
               </a:rPr>
-              <a:t>1)   + </a:t>
+              <a:t>a)   + </a:t>
             </a:r>
             <a:r>
               <a:rPr lang="en-US" sz="2000" b="1" i="1" dirty="0">
@@ -6783,7 +7022,7 @@
                   </a:outerShdw>
                 </a:effectLst>
               </a:rPr>
-              <a:t>2)   + </a:t>
+              <a:t>b)   + </a:t>
             </a:r>
             <a:r>
               <a:rPr lang="en-US" sz="2000" b="1" i="1" dirty="0">
@@ -6819,7 +7058,7 @@
                   </a:outerShdw>
                 </a:effectLst>
               </a:rPr>
-              <a:t>3)   zero</a:t>
+              <a:t>c)   zero</a:t>
             </a:r>
           </a:p>
           <a:p>
@@ -6842,7 +7081,7 @@
                   </a:outerShdw>
                 </a:effectLst>
               </a:rPr>
-              <a:t>4)   - </a:t>
+              <a:t>d)   - </a:t>
             </a:r>
             <a:r>
               <a:rPr lang="en-US" sz="2000" b="1" i="1" dirty="0">
@@ -6868,6 +7107,19 @@
               </a:spcBef>
             </a:pPr>
             <a:r>
+              <a:rPr lang="en-US" sz="2000" b="1">
+                <a:solidFill>
+                  <a:schemeClr val="tx2"/>
+                </a:solidFill>
+                <a:effectLst>
+                  <a:outerShdw blurRad="38100" dist="38100" dir="2700000" algn="tl">
+                    <a:srgbClr val="000000"/>
+                  </a:outerShdw>
+                </a:effectLst>
+              </a:rPr>
+              <a:t>e)   </a:t>
+            </a:r>
+            <a:r>
               <a:rPr lang="en-US" sz="2000" b="1" dirty="0">
                 <a:solidFill>
                   <a:schemeClr val="tx2"/>
@@ -6878,7 +7130,7 @@
                   </a:outerShdw>
                 </a:effectLst>
               </a:rPr>
-              <a:t>5)   - </a:t>
+              <a:t>- </a:t>
             </a:r>
             <a:r>
               <a:rPr lang="en-US" sz="2000" b="1" i="1" dirty="0">
@@ -8132,7 +8384,7 @@
         <p:spPr bwMode="auto">
           <a:xfrm>
             <a:off x="6089650" y="677863"/>
-            <a:ext cx="2317750" cy="1924050"/>
+            <a:ext cx="2317750" cy="1945790"/>
           </a:xfrm>
           <a:prstGeom prst="rect">
             <a:avLst/>
@@ -8161,7 +8413,7 @@
               </a:spcBef>
             </a:pPr>
             <a:r>
-              <a:rPr lang="en-US" sz="2000" b="1">
+              <a:rPr lang="en-US" sz="2000" b="1" dirty="0">
                 <a:solidFill>
                   <a:schemeClr val="tx2"/>
                 </a:solidFill>
@@ -8171,10 +8423,105 @@
                   </a:outerShdw>
                 </a:effectLst>
               </a:rPr>
-              <a:t>1)   + </a:t>
+              <a:t>a)   + </a:t>
             </a:r>
             <a:r>
-              <a:rPr lang="en-US" sz="2000" b="1" i="1">
+              <a:rPr lang="en-US" sz="2000" b="1" i="1" dirty="0">
+                <a:solidFill>
+                  <a:schemeClr val="tx2"/>
+                </a:solidFill>
+                <a:effectLst>
+                  <a:outerShdw blurRad="38100" dist="38100" dir="2700000" algn="tl">
+                    <a:srgbClr val="000000"/>
+                  </a:outerShdw>
+                </a:effectLst>
+              </a:rPr>
+              <a:t>x</a:t>
+            </a:r>
+          </a:p>
+          <a:p>
+            <a:pPr marL="285750" indent="-285750">
+              <a:lnSpc>
+                <a:spcPct val="80000"/>
+              </a:lnSpc>
+              <a:spcBef>
+                <a:spcPct val="50000"/>
+              </a:spcBef>
+            </a:pPr>
+            <a:r>
+              <a:rPr lang="en-US" sz="2000" b="1" dirty="0">
+                <a:solidFill>
+                  <a:schemeClr val="tx2"/>
+                </a:solidFill>
+                <a:effectLst>
+                  <a:outerShdw blurRad="38100" dist="38100" dir="2700000" algn="tl">
+                    <a:srgbClr val="000000"/>
+                  </a:outerShdw>
+                </a:effectLst>
+              </a:rPr>
+              <a:t>b)   + </a:t>
+            </a:r>
+            <a:r>
+              <a:rPr lang="en-US" sz="2000" b="1" i="1" dirty="0">
+                <a:solidFill>
+                  <a:schemeClr val="tx2"/>
+                </a:solidFill>
+                <a:effectLst>
+                  <a:outerShdw blurRad="38100" dist="38100" dir="2700000" algn="tl">
+                    <a:srgbClr val="000000"/>
+                  </a:outerShdw>
+                </a:effectLst>
+              </a:rPr>
+              <a:t>y</a:t>
+            </a:r>
+          </a:p>
+          <a:p>
+            <a:pPr marL="285750" indent="-285750">
+              <a:lnSpc>
+                <a:spcPct val="80000"/>
+              </a:lnSpc>
+              <a:spcBef>
+                <a:spcPct val="50000"/>
+              </a:spcBef>
+            </a:pPr>
+            <a:r>
+              <a:rPr lang="en-US" sz="2000" b="1" dirty="0">
+                <a:solidFill>
+                  <a:schemeClr val="tx2"/>
+                </a:solidFill>
+                <a:effectLst>
+                  <a:outerShdw blurRad="38100" dist="38100" dir="2700000" algn="tl">
+                    <a:srgbClr val="000000"/>
+                  </a:outerShdw>
+                </a:effectLst>
+              </a:rPr>
+              <a:t>c)   zero</a:t>
+            </a:r>
+          </a:p>
+          <a:p>
+            <a:pPr marL="285750" indent="-285750">
+              <a:lnSpc>
+                <a:spcPct val="80000"/>
+              </a:lnSpc>
+              <a:spcBef>
+                <a:spcPct val="50000"/>
+              </a:spcBef>
+            </a:pPr>
+            <a:r>
+              <a:rPr lang="en-US" sz="2000" b="1" dirty="0">
+                <a:solidFill>
+                  <a:schemeClr val="tx2"/>
+                </a:solidFill>
+                <a:effectLst>
+                  <a:outerShdw blurRad="38100" dist="38100" dir="2700000" algn="tl">
+                    <a:srgbClr val="000000"/>
+                  </a:outerShdw>
+                </a:effectLst>
+              </a:rPr>
+              <a:t>d)   - </a:t>
+            </a:r>
+            <a:r>
+              <a:rPr lang="en-US" sz="2000" b="1" i="1" dirty="0">
                 <a:solidFill>
                   <a:schemeClr val="tx2"/>
                 </a:solidFill>
@@ -8207,10 +8554,10 @@
                   </a:outerShdw>
                 </a:effectLst>
               </a:rPr>
-              <a:t>2)   + </a:t>
+              <a:t>e)   </a:t>
             </a:r>
             <a:r>
-              <a:rPr lang="en-US" sz="2000" b="1" i="1">
+              <a:rPr lang="en-US" sz="2000" b="1" dirty="0">
                 <a:solidFill>
                   <a:schemeClr val="tx2"/>
                 </a:solidFill>
@@ -8220,92 +8567,10 @@
                   </a:outerShdw>
                 </a:effectLst>
               </a:rPr>
-              <a:t>y</a:t>
-            </a:r>
-          </a:p>
-          <a:p>
-            <a:pPr marL="285750" indent="-285750">
-              <a:lnSpc>
-                <a:spcPct val="80000"/>
-              </a:lnSpc>
-              <a:spcBef>
-                <a:spcPct val="50000"/>
-              </a:spcBef>
-            </a:pPr>
-            <a:r>
-              <a:rPr lang="en-US" sz="2000" b="1">
-                <a:solidFill>
-                  <a:schemeClr val="tx2"/>
-                </a:solidFill>
-                <a:effectLst>
-                  <a:outerShdw blurRad="38100" dist="38100" dir="2700000" algn="tl">
-                    <a:srgbClr val="000000"/>
-                  </a:outerShdw>
-                </a:effectLst>
-              </a:rPr>
-              <a:t>3)   zero</a:t>
-            </a:r>
-          </a:p>
-          <a:p>
-            <a:pPr marL="285750" indent="-285750">
-              <a:lnSpc>
-                <a:spcPct val="80000"/>
-              </a:lnSpc>
-              <a:spcBef>
-                <a:spcPct val="50000"/>
-              </a:spcBef>
-            </a:pPr>
-            <a:r>
-              <a:rPr lang="en-US" sz="2000" b="1">
-                <a:solidFill>
-                  <a:schemeClr val="tx2"/>
-                </a:solidFill>
-                <a:effectLst>
-                  <a:outerShdw blurRad="38100" dist="38100" dir="2700000" algn="tl">
-                    <a:srgbClr val="000000"/>
-                  </a:outerShdw>
-                </a:effectLst>
-              </a:rPr>
-              <a:t>4)   - </a:t>
+              <a:t>- </a:t>
             </a:r>
             <a:r>
-              <a:rPr lang="en-US" sz="2000" b="1" i="1">
-                <a:solidFill>
-                  <a:schemeClr val="tx2"/>
-                </a:solidFill>
-                <a:effectLst>
-                  <a:outerShdw blurRad="38100" dist="38100" dir="2700000" algn="tl">
-                    <a:srgbClr val="000000"/>
-                  </a:outerShdw>
-                </a:effectLst>
-              </a:rPr>
-              <a:t>x</a:t>
-            </a:r>
-          </a:p>
-          <a:p>
-            <a:pPr marL="285750" indent="-285750">
-              <a:lnSpc>
-                <a:spcPct val="80000"/>
-              </a:lnSpc>
-              <a:spcBef>
-                <a:spcPct val="50000"/>
-              </a:spcBef>
-            </a:pPr>
-            <a:r>
-              <a:rPr lang="en-US" sz="2000" b="1">
-                <a:solidFill>
-                  <a:schemeClr val="tx2"/>
-                </a:solidFill>
-                <a:effectLst>
-                  <a:outerShdw blurRad="38100" dist="38100" dir="2700000" algn="tl">
-                    <a:srgbClr val="000000"/>
-                  </a:outerShdw>
-                </a:effectLst>
-              </a:rPr>
-              <a:t>5)   - </a:t>
-            </a:r>
-            <a:r>
-              <a:rPr lang="en-US" sz="2000" b="1" i="1">
+              <a:rPr lang="en-US" sz="2000" b="1" i="1" dirty="0">
                 <a:solidFill>
                   <a:schemeClr val="tx2"/>
                 </a:solidFill>
@@ -15712,7 +15977,7 @@
         <p:spPr bwMode="auto">
           <a:xfrm>
             <a:off x="4876800" y="695325"/>
-            <a:ext cx="4267200" cy="1924050"/>
+            <a:ext cx="4267200" cy="1945790"/>
           </a:xfrm>
           <a:prstGeom prst="rect">
             <a:avLst/>
@@ -15741,7 +16006,7 @@
               </a:spcBef>
             </a:pPr>
             <a:r>
-              <a:rPr lang="en-US" sz="2000" b="1">
+              <a:rPr lang="en-US" sz="2000" b="1" dirty="0">
                 <a:solidFill>
                   <a:schemeClr val="tx2"/>
                 </a:solidFill>
@@ -15751,7 +16016,76 @@
                   </a:outerShdw>
                 </a:effectLst>
               </a:rPr>
-              <a:t>1)   move up</a:t>
+              <a:t>a)   move up</a:t>
+            </a:r>
+          </a:p>
+          <a:p>
+            <a:pPr marL="285750" indent="-285750">
+              <a:lnSpc>
+                <a:spcPct val="80000"/>
+              </a:lnSpc>
+              <a:spcBef>
+                <a:spcPct val="50000"/>
+              </a:spcBef>
+            </a:pPr>
+            <a:r>
+              <a:rPr lang="en-US" sz="2000" b="1" dirty="0">
+                <a:solidFill>
+                  <a:schemeClr val="tx2"/>
+                </a:solidFill>
+                <a:effectLst>
+                  <a:outerShdw blurRad="38100" dist="38100" dir="2700000" algn="tl">
+                    <a:srgbClr val="000000"/>
+                  </a:outerShdw>
+                </a:effectLst>
+              </a:rPr>
+              <a:t>b)   move down</a:t>
+            </a:r>
+          </a:p>
+          <a:p>
+            <a:pPr marL="285750" indent="-285750">
+              <a:lnSpc>
+                <a:spcPct val="80000"/>
+              </a:lnSpc>
+              <a:spcBef>
+                <a:spcPct val="50000"/>
+              </a:spcBef>
+            </a:pPr>
+            <a:r>
+              <a:rPr lang="en-US" sz="2000" b="1" dirty="0">
+                <a:solidFill>
+                  <a:schemeClr val="tx2"/>
+                </a:solidFill>
+                <a:effectLst>
+                  <a:outerShdw blurRad="38100" dist="38100" dir="2700000" algn="tl">
+                    <a:srgbClr val="000000"/>
+                  </a:outerShdw>
+                </a:effectLst>
+              </a:rPr>
+              <a:t>c)   rotate clockwise</a:t>
+            </a:r>
+          </a:p>
+          <a:p>
+            <a:pPr marL="285750" indent="-285750">
+              <a:lnSpc>
+                <a:spcPct val="80000"/>
+              </a:lnSpc>
+              <a:spcBef>
+                <a:spcPct val="50000"/>
+              </a:spcBef>
+            </a:pPr>
+            <a:r>
+              <a:rPr lang="en-US" sz="2000" b="1" dirty="0">
+                <a:solidFill>
+                  <a:schemeClr val="tx2"/>
+                </a:solidFill>
+                <a:effectLst>
+                  <a:outerShdw blurRad="38100" dist="38100" dir="2700000" algn="tl">
+                    <a:srgbClr val="000000"/>
+                  </a:outerShdw>
+                </a:effectLst>
+              </a:rPr>
+              <a:t>d)   rotate counterclockwise</a:t>
             </a:r>
           </a:p>
           <a:p>
@@ -15774,20 +16108,10 @@
                   </a:outerShdw>
                 </a:effectLst>
               </a:rPr>
-              <a:t>2)   move down</a:t>
+              <a:t>e)   </a:t>
             </a:r>
-          </a:p>
-          <a:p>
-            <a:pPr marL="285750" indent="-285750">
-              <a:lnSpc>
-                <a:spcPct val="80000"/>
-              </a:lnSpc>
-              <a:spcBef>
-                <a:spcPct val="50000"/>
-              </a:spcBef>
-            </a:pPr>
             <a:r>
-              <a:rPr lang="en-US" sz="2000" b="1">
+              <a:rPr lang="en-US" sz="2000" b="1" dirty="0">
                 <a:solidFill>
                   <a:schemeClr val="tx2"/>
                 </a:solidFill>
@@ -15797,53 +16121,7 @@
                   </a:outerShdw>
                 </a:effectLst>
               </a:rPr>
-              <a:t>3)   rotate clockwise</a:t>
-            </a:r>
-          </a:p>
-          <a:p>
-            <a:pPr marL="285750" indent="-285750">
-              <a:lnSpc>
-                <a:spcPct val="80000"/>
-              </a:lnSpc>
-              <a:spcBef>
-                <a:spcPct val="50000"/>
-              </a:spcBef>
-            </a:pPr>
-            <a:r>
-              <a:rPr lang="en-US" sz="2000" b="1">
-                <a:solidFill>
-                  <a:schemeClr val="tx2"/>
-                </a:solidFill>
-                <a:effectLst>
-                  <a:outerShdw blurRad="38100" dist="38100" dir="2700000" algn="tl">
-                    <a:srgbClr val="000000"/>
-                  </a:outerShdw>
-                </a:effectLst>
-              </a:rPr>
-              <a:t>4)   rotate counterclockwise</a:t>
-            </a:r>
-          </a:p>
-          <a:p>
-            <a:pPr marL="285750" indent="-285750">
-              <a:lnSpc>
-                <a:spcPct val="80000"/>
-              </a:lnSpc>
-              <a:spcBef>
-                <a:spcPct val="50000"/>
-              </a:spcBef>
-            </a:pPr>
-            <a:r>
-              <a:rPr lang="en-US" sz="2000" b="1">
-                <a:solidFill>
-                  <a:schemeClr val="tx2"/>
-                </a:solidFill>
-                <a:effectLst>
-                  <a:outerShdw blurRad="38100" dist="38100" dir="2700000" algn="tl">
-                    <a:srgbClr val="000000"/>
-                  </a:outerShdw>
-                </a:effectLst>
-              </a:rPr>
-              <a:t>5)   both rotate and move</a:t>
+              <a:t>both rotate and move</a:t>
             </a:r>
           </a:p>
         </p:txBody>
@@ -19209,7 +19487,7 @@
         <p:spPr bwMode="auto">
           <a:xfrm>
             <a:off x="4876800" y="695325"/>
-            <a:ext cx="4267200" cy="1924050"/>
+            <a:ext cx="4267200" cy="1945790"/>
           </a:xfrm>
           <a:prstGeom prst="rect">
             <a:avLst/>
@@ -19238,7 +19516,7 @@
               </a:spcBef>
             </a:pPr>
             <a:r>
-              <a:rPr lang="en-US" sz="2000" b="1">
+              <a:rPr lang="en-US" sz="2000" b="1" dirty="0">
                 <a:solidFill>
                   <a:schemeClr val="tx2"/>
                 </a:solidFill>
@@ -19248,7 +19526,76 @@
                   </a:outerShdw>
                 </a:effectLst>
               </a:rPr>
-              <a:t>1)   move up</a:t>
+              <a:t>a)   move up</a:t>
+            </a:r>
+          </a:p>
+          <a:p>
+            <a:pPr marL="285750" indent="-285750">
+              <a:lnSpc>
+                <a:spcPct val="80000"/>
+              </a:lnSpc>
+              <a:spcBef>
+                <a:spcPct val="50000"/>
+              </a:spcBef>
+            </a:pPr>
+            <a:r>
+              <a:rPr lang="en-US" sz="2000" b="1" dirty="0">
+                <a:solidFill>
+                  <a:schemeClr val="tx2"/>
+                </a:solidFill>
+                <a:effectLst>
+                  <a:outerShdw blurRad="38100" dist="38100" dir="2700000" algn="tl">
+                    <a:srgbClr val="000000"/>
+                  </a:outerShdw>
+                </a:effectLst>
+              </a:rPr>
+              <a:t>b)   move down</a:t>
+            </a:r>
+          </a:p>
+          <a:p>
+            <a:pPr marL="285750" indent="-285750">
+              <a:lnSpc>
+                <a:spcPct val="80000"/>
+              </a:lnSpc>
+              <a:spcBef>
+                <a:spcPct val="50000"/>
+              </a:spcBef>
+            </a:pPr>
+            <a:r>
+              <a:rPr lang="en-US" sz="2000" b="1" dirty="0">
+                <a:solidFill>
+                  <a:schemeClr val="tx2"/>
+                </a:solidFill>
+                <a:effectLst>
+                  <a:outerShdw blurRad="38100" dist="38100" dir="2700000" algn="tl">
+                    <a:srgbClr val="000000"/>
+                  </a:outerShdw>
+                </a:effectLst>
+              </a:rPr>
+              <a:t>c)   rotate clockwise</a:t>
+            </a:r>
+          </a:p>
+          <a:p>
+            <a:pPr marL="285750" indent="-285750">
+              <a:lnSpc>
+                <a:spcPct val="80000"/>
+              </a:lnSpc>
+              <a:spcBef>
+                <a:spcPct val="50000"/>
+              </a:spcBef>
+            </a:pPr>
+            <a:r>
+              <a:rPr lang="en-US" sz="2000" b="1" dirty="0">
+                <a:solidFill>
+                  <a:schemeClr val="tx2"/>
+                </a:solidFill>
+                <a:effectLst>
+                  <a:outerShdw blurRad="38100" dist="38100" dir="2700000" algn="tl">
+                    <a:srgbClr val="000000"/>
+                  </a:outerShdw>
+                </a:effectLst>
+              </a:rPr>
+              <a:t>d)   rotate counterclockwise</a:t>
             </a:r>
           </a:p>
           <a:p>
@@ -19271,20 +19618,10 @@
                   </a:outerShdw>
                 </a:effectLst>
               </a:rPr>
-              <a:t>2)   move down</a:t>
+              <a:t>e)   </a:t>
             </a:r>
-          </a:p>
-          <a:p>
-            <a:pPr marL="285750" indent="-285750">
-              <a:lnSpc>
-                <a:spcPct val="80000"/>
-              </a:lnSpc>
-              <a:spcBef>
-                <a:spcPct val="50000"/>
-              </a:spcBef>
-            </a:pPr>
             <a:r>
-              <a:rPr lang="en-US" sz="2000" b="1">
+              <a:rPr lang="en-US" sz="2000" b="1" dirty="0">
                 <a:solidFill>
                   <a:schemeClr val="tx2"/>
                 </a:solidFill>
@@ -19294,53 +19631,7 @@
                   </a:outerShdw>
                 </a:effectLst>
               </a:rPr>
-              <a:t>3)   rotate clockwise</a:t>
-            </a:r>
-          </a:p>
-          <a:p>
-            <a:pPr marL="285750" indent="-285750">
-              <a:lnSpc>
-                <a:spcPct val="80000"/>
-              </a:lnSpc>
-              <a:spcBef>
-                <a:spcPct val="50000"/>
-              </a:spcBef>
-            </a:pPr>
-            <a:r>
-              <a:rPr lang="en-US" sz="2000" b="1">
-                <a:solidFill>
-                  <a:schemeClr val="tx2"/>
-                </a:solidFill>
-                <a:effectLst>
-                  <a:outerShdw blurRad="38100" dist="38100" dir="2700000" algn="tl">
-                    <a:srgbClr val="000000"/>
-                  </a:outerShdw>
-                </a:effectLst>
-              </a:rPr>
-              <a:t>4)   rotate counterclockwise</a:t>
-            </a:r>
-          </a:p>
-          <a:p>
-            <a:pPr marL="285750" indent="-285750">
-              <a:lnSpc>
-                <a:spcPct val="80000"/>
-              </a:lnSpc>
-              <a:spcBef>
-                <a:spcPct val="50000"/>
-              </a:spcBef>
-            </a:pPr>
-            <a:r>
-              <a:rPr lang="en-US" sz="2000" b="1">
-                <a:solidFill>
-                  <a:schemeClr val="tx2"/>
-                </a:solidFill>
-                <a:effectLst>
-                  <a:outerShdw blurRad="38100" dist="38100" dir="2700000" algn="tl">
-                    <a:srgbClr val="000000"/>
-                  </a:outerShdw>
-                </a:effectLst>
-              </a:rPr>
-              <a:t>5)   both rotate and move</a:t>
+              <a:t>both rotate and move</a:t>
             </a:r>
           </a:p>
         </p:txBody>
@@ -20817,7 +21108,7 @@
         <p:spPr bwMode="auto">
           <a:xfrm>
             <a:off x="5886450" y="747713"/>
-            <a:ext cx="2987675" cy="1924050"/>
+            <a:ext cx="2987675" cy="1945790"/>
           </a:xfrm>
           <a:prstGeom prst="rect">
             <a:avLst/>
@@ -20856,7 +21147,7 @@
                   </a:outerShdw>
                 </a:effectLst>
               </a:rPr>
-              <a:t>1)   left</a:t>
+              <a:t>a)   left</a:t>
             </a:r>
           </a:p>
           <a:p>
@@ -20879,7 +21170,7 @@
                   </a:outerShdw>
                 </a:effectLst>
               </a:rPr>
-              <a:t>2)   right</a:t>
+              <a:t>b)   right</a:t>
             </a:r>
           </a:p>
           <a:p>
@@ -20902,7 +21193,7 @@
                   </a:outerShdw>
                 </a:effectLst>
               </a:rPr>
-              <a:t>3)   zero</a:t>
+              <a:t>c)   zero</a:t>
             </a:r>
           </a:p>
           <a:p>
@@ -20925,7 +21216,7 @@
                   </a:outerShdw>
                 </a:effectLst>
               </a:rPr>
-              <a:t>4)   into the page</a:t>
+              <a:t>d)   into the page</a:t>
             </a:r>
           </a:p>
           <a:p>
@@ -20938,6 +21229,19 @@
               </a:spcBef>
             </a:pPr>
             <a:r>
+              <a:rPr lang="en-US" sz="2000" b="1">
+                <a:solidFill>
+                  <a:schemeClr val="tx2"/>
+                </a:solidFill>
+                <a:effectLst>
+                  <a:outerShdw blurRad="38100" dist="38100" dir="2700000" algn="tl">
+                    <a:srgbClr val="000000"/>
+                  </a:outerShdw>
+                </a:effectLst>
+              </a:rPr>
+              <a:t>e)   </a:t>
+            </a:r>
+            <a:r>
               <a:rPr lang="en-US" sz="2000" b="1" dirty="0">
                 <a:solidFill>
                   <a:schemeClr val="tx2"/>
@@ -20948,7 +21252,7 @@
                   </a:outerShdw>
                 </a:effectLst>
               </a:rPr>
-              <a:t>5)   out of the page</a:t>
+              <a:t>out of the page</a:t>
             </a:r>
           </a:p>
         </p:txBody>
@@ -24750,7 +25054,13 @@
       </p:grpSp>
       <p:sp>
         <p:nvSpPr>
-          <p:cNvPr id="1789981" name="Rectangle 29"/>
+          <p:cNvPr id="8" name="Rectangle 35">
+            <a:extLst>
+              <a:ext uri="{FF2B5EF4-FFF2-40B4-BE49-F238E27FC236}">
+                <a16:creationId xmlns:a16="http://schemas.microsoft.com/office/drawing/2014/main" id="{7E657F6A-F4CA-E580-30F1-DF35AD880829}"/>
+              </a:ext>
+            </a:extLst>
+          </p:cNvPr>
           <p:cNvSpPr>
             <a:spLocks noChangeArrowheads="1"/>
           </p:cNvSpPr>
@@ -24759,7 +25069,7 @@
         <p:spPr bwMode="auto">
           <a:xfrm>
             <a:off x="5511800" y="896938"/>
-            <a:ext cx="3370263" cy="1924050"/>
+            <a:ext cx="3370263" cy="1945790"/>
           </a:xfrm>
           <a:prstGeom prst="rect">
             <a:avLst/>
@@ -24788,7 +25098,7 @@
               </a:spcBef>
             </a:pPr>
             <a:r>
-              <a:rPr lang="en-US" sz="2000" b="1">
+              <a:rPr lang="en-US" sz="2000" b="1" dirty="0">
                 <a:solidFill>
                   <a:schemeClr val="tx2"/>
                 </a:solidFill>
@@ -24798,7 +25108,7 @@
                   </a:outerShdw>
                 </a:effectLst>
               </a:rPr>
-              <a:t>1)   direction 1</a:t>
+              <a:t>a)   direction 1</a:t>
             </a:r>
           </a:p>
           <a:p>
@@ -24811,7 +25121,7 @@
               </a:spcBef>
             </a:pPr>
             <a:r>
-              <a:rPr lang="en-US" sz="2000" b="1">
+              <a:rPr lang="en-US" sz="2000" b="1" dirty="0">
                 <a:solidFill>
                   <a:schemeClr val="tx2"/>
                 </a:solidFill>
@@ -24821,7 +25131,7 @@
                   </a:outerShdw>
                 </a:effectLst>
               </a:rPr>
-              <a:t>2)   direction 2</a:t>
+              <a:t>b)   direction 2</a:t>
             </a:r>
           </a:p>
           <a:p>
@@ -24834,7 +25144,7 @@
               </a:spcBef>
             </a:pPr>
             <a:r>
-              <a:rPr lang="en-US" sz="2000" b="1">
+              <a:rPr lang="en-US" sz="2000" b="1" dirty="0">
                 <a:solidFill>
                   <a:schemeClr val="tx2"/>
                 </a:solidFill>
@@ -24844,7 +25154,7 @@
                   </a:outerShdw>
                 </a:effectLst>
               </a:rPr>
-              <a:t>3)   direction 3</a:t>
+              <a:t>c)   direction 3</a:t>
             </a:r>
           </a:p>
           <a:p>
@@ -24857,7 +25167,7 @@
               </a:spcBef>
             </a:pPr>
             <a:r>
-              <a:rPr lang="en-US" sz="2000" b="1">
+              <a:rPr lang="en-US" sz="2000" b="1" dirty="0">
                 <a:solidFill>
                   <a:schemeClr val="tx2"/>
                 </a:solidFill>
@@ -24867,7 +25177,7 @@
                   </a:outerShdw>
                 </a:effectLst>
               </a:rPr>
-              <a:t>4)   direction 4</a:t>
+              <a:t>d)   direction 4</a:t>
             </a:r>
           </a:p>
           <a:p>
@@ -24880,7 +25190,7 @@
               </a:spcBef>
             </a:pPr>
             <a:r>
-              <a:rPr lang="en-US" sz="2000" b="1">
+              <a:rPr lang="en-US" sz="2000" b="1" dirty="0">
                 <a:solidFill>
                   <a:schemeClr val="tx2"/>
                 </a:solidFill>
@@ -24890,10 +25200,10 @@
                   </a:outerShdw>
                 </a:effectLst>
               </a:rPr>
-              <a:t>5)   the </a:t>
+              <a:t>e)   the </a:t>
             </a:r>
             <a:r>
-              <a:rPr lang="en-US" sz="2000" b="1" i="1">
+              <a:rPr lang="en-US" sz="2000" b="1" i="1" dirty="0">
                 <a:solidFill>
                   <a:schemeClr val="tx2"/>
                 </a:solidFill>
@@ -24906,7 +25216,7 @@
               <a:t>B</a:t>
             </a:r>
             <a:r>
-              <a:rPr lang="en-US" sz="2000" b="1">
+              <a:rPr lang="en-US" sz="2000" b="1" dirty="0">
                 <a:solidFill>
                   <a:schemeClr val="tx2"/>
                 </a:solidFill>
@@ -26171,7 +26481,7 @@
         <p:spPr bwMode="auto">
           <a:xfrm>
             <a:off x="5511800" y="896938"/>
-            <a:ext cx="3370263" cy="1924050"/>
+            <a:ext cx="3370263" cy="1945790"/>
           </a:xfrm>
           <a:prstGeom prst="rect">
             <a:avLst/>
@@ -26200,7 +26510,7 @@
               </a:spcBef>
             </a:pPr>
             <a:r>
-              <a:rPr lang="en-US" sz="2000" b="1">
+              <a:rPr lang="en-US" sz="2000" b="1" dirty="0">
                 <a:solidFill>
                   <a:schemeClr val="tx2"/>
                 </a:solidFill>
@@ -26210,7 +26520,7 @@
                   </a:outerShdw>
                 </a:effectLst>
               </a:rPr>
-              <a:t>1)   direction 1</a:t>
+              <a:t>a)   direction 1</a:t>
             </a:r>
           </a:p>
           <a:p>
@@ -26223,7 +26533,7 @@
               </a:spcBef>
             </a:pPr>
             <a:r>
-              <a:rPr lang="en-US" sz="2000" b="1">
+              <a:rPr lang="en-US" sz="2000" b="1" dirty="0">
                 <a:solidFill>
                   <a:schemeClr val="tx2"/>
                 </a:solidFill>
@@ -26233,7 +26543,7 @@
                   </a:outerShdw>
                 </a:effectLst>
               </a:rPr>
-              <a:t>2)   direction 2</a:t>
+              <a:t>b)   direction 2</a:t>
             </a:r>
           </a:p>
           <a:p>
@@ -26246,7 +26556,7 @@
               </a:spcBef>
             </a:pPr>
             <a:r>
-              <a:rPr lang="en-US" sz="2000" b="1">
+              <a:rPr lang="en-US" sz="2000" b="1" dirty="0">
                 <a:solidFill>
                   <a:schemeClr val="tx2"/>
                 </a:solidFill>
@@ -26256,7 +26566,7 @@
                   </a:outerShdw>
                 </a:effectLst>
               </a:rPr>
-              <a:t>3)   direction 3</a:t>
+              <a:t>c)   direction 3</a:t>
             </a:r>
           </a:p>
           <a:p>
@@ -26269,7 +26579,7 @@
               </a:spcBef>
             </a:pPr>
             <a:r>
-              <a:rPr lang="en-US" sz="2000" b="1">
+              <a:rPr lang="en-US" sz="2000" b="1" dirty="0">
                 <a:solidFill>
                   <a:schemeClr val="tx2"/>
                 </a:solidFill>
@@ -26279,7 +26589,7 @@
                   </a:outerShdw>
                 </a:effectLst>
               </a:rPr>
-              <a:t>4)   direction 4</a:t>
+              <a:t>d)   direction 4</a:t>
             </a:r>
           </a:p>
           <a:p>
@@ -26292,7 +26602,7 @@
               </a:spcBef>
             </a:pPr>
             <a:r>
-              <a:rPr lang="en-US" sz="2000" b="1">
+              <a:rPr lang="en-US" sz="2000" b="1" dirty="0">
                 <a:solidFill>
                   <a:schemeClr val="tx2"/>
                 </a:solidFill>
@@ -26302,10 +26612,10 @@
                   </a:outerShdw>
                 </a:effectLst>
               </a:rPr>
-              <a:t>5)   the </a:t>
+              <a:t>e)   the </a:t>
             </a:r>
             <a:r>
-              <a:rPr lang="en-US" sz="2000" b="1" i="1">
+              <a:rPr lang="en-US" sz="2000" b="1" i="1" dirty="0">
                 <a:solidFill>
                   <a:schemeClr val="tx2"/>
                 </a:solidFill>
@@ -26318,7 +26628,7 @@
               <a:t>B</a:t>
             </a:r>
             <a:r>
-              <a:rPr lang="en-US" sz="2000" b="1">
+              <a:rPr lang="en-US" sz="2000" b="1" dirty="0">
                 <a:solidFill>
                   <a:schemeClr val="tx2"/>
                 </a:solidFill>
@@ -26670,7 +26980,7 @@
               </a:spcBef>
             </a:pPr>
             <a:r>
-              <a:rPr lang="en-US" sz="2000" b="1">
+              <a:rPr lang="en-US" sz="2000" b="1" dirty="0">
                 <a:solidFill>
                   <a:schemeClr val="tx2"/>
                 </a:solidFill>
@@ -26680,7 +26990,7 @@
                   </a:outerShdw>
                 </a:effectLst>
               </a:rPr>
-              <a:t>1)   arrangement 1</a:t>
+              <a:t>a)   arrangement 1</a:t>
             </a:r>
           </a:p>
           <a:p>
@@ -26693,7 +27003,7 @@
               </a:spcBef>
             </a:pPr>
             <a:r>
-              <a:rPr lang="en-US" sz="2000" b="1">
+              <a:rPr lang="en-US" sz="2000" b="1" dirty="0">
                 <a:solidFill>
                   <a:schemeClr val="tx2"/>
                 </a:solidFill>
@@ -26703,7 +27013,7 @@
                   </a:outerShdw>
                 </a:effectLst>
               </a:rPr>
-              <a:t>2)   arrangement 2</a:t>
+              <a:t>b)   arrangement 2</a:t>
             </a:r>
           </a:p>
           <a:p>
@@ -26716,7 +27026,7 @@
               </a:spcBef>
             </a:pPr>
             <a:r>
-              <a:rPr lang="en-US" sz="2000" b="1">
+              <a:rPr lang="en-US" sz="2000" b="1" dirty="0">
                 <a:solidFill>
                   <a:schemeClr val="tx2"/>
                 </a:solidFill>
@@ -26726,7 +27036,7 @@
                   </a:outerShdw>
                 </a:effectLst>
               </a:rPr>
-              <a:t>3)   arrangement 3</a:t>
+              <a:t>c)   arrangement 3</a:t>
             </a:r>
           </a:p>
           <a:p>
@@ -26739,7 +27049,7 @@
               </a:spcBef>
             </a:pPr>
             <a:r>
-              <a:rPr lang="en-US" sz="2000" b="1">
+              <a:rPr lang="en-US" sz="2000" b="1" dirty="0">
                 <a:solidFill>
                   <a:schemeClr val="tx2"/>
                 </a:solidFill>
@@ -26749,7 +27059,7 @@
                   </a:outerShdw>
                 </a:effectLst>
               </a:rPr>
-              <a:t>4)   same for all</a:t>
+              <a:t>d)   same for all</a:t>
             </a:r>
           </a:p>
         </p:txBody>
@@ -32267,7 +32577,7 @@
               </a:spcBef>
             </a:pPr>
             <a:r>
-              <a:rPr lang="en-US" sz="2000" b="1">
+              <a:rPr lang="en-US" sz="2000" b="1" dirty="0">
                 <a:solidFill>
                   <a:schemeClr val="tx2"/>
                 </a:solidFill>
@@ -32277,7 +32587,7 @@
                   </a:outerShdw>
                 </a:effectLst>
               </a:rPr>
-              <a:t>1)   arrangement 1</a:t>
+              <a:t>a)   arrangement 1</a:t>
             </a:r>
           </a:p>
           <a:p>
@@ -32290,7 +32600,7 @@
               </a:spcBef>
             </a:pPr>
             <a:r>
-              <a:rPr lang="en-US" sz="2000" b="1">
+              <a:rPr lang="en-US" sz="2000" b="1" dirty="0">
                 <a:solidFill>
                   <a:schemeClr val="tx2"/>
                 </a:solidFill>
@@ -32300,7 +32610,7 @@
                   </a:outerShdw>
                 </a:effectLst>
               </a:rPr>
-              <a:t>2)   arrangement 2</a:t>
+              <a:t>b)   arrangement 2</a:t>
             </a:r>
           </a:p>
           <a:p>
@@ -32313,7 +32623,7 @@
               </a:spcBef>
             </a:pPr>
             <a:r>
-              <a:rPr lang="en-US" sz="2000" b="1">
+              <a:rPr lang="en-US" sz="2000" b="1" dirty="0">
                 <a:solidFill>
                   <a:schemeClr val="tx2"/>
                 </a:solidFill>
@@ -32323,7 +32633,7 @@
                   </a:outerShdw>
                 </a:effectLst>
               </a:rPr>
-              <a:t>3)   arrangement 3</a:t>
+              <a:t>c)   arrangement 3</a:t>
             </a:r>
           </a:p>
           <a:p>
@@ -32336,7 +32646,7 @@
               </a:spcBef>
             </a:pPr>
             <a:r>
-              <a:rPr lang="en-US" sz="2000" b="1">
+              <a:rPr lang="en-US" sz="2000" b="1" dirty="0">
                 <a:solidFill>
                   <a:schemeClr val="tx2"/>
                 </a:solidFill>
@@ -32346,7 +32656,7 @@
                   </a:outerShdw>
                 </a:effectLst>
               </a:rPr>
-              <a:t>4)   same for all</a:t>
+              <a:t>d)   same for all</a:t>
             </a:r>
           </a:p>
         </p:txBody>
@@ -33336,7 +33646,7 @@
         <p:spPr bwMode="auto">
           <a:xfrm>
             <a:off x="5121275" y="879475"/>
-            <a:ext cx="3756025" cy="1924050"/>
+            <a:ext cx="3756025" cy="1945790"/>
           </a:xfrm>
           <a:prstGeom prst="rect">
             <a:avLst/>
@@ -33365,7 +33675,7 @@
               </a:spcBef>
             </a:pPr>
             <a:r>
-              <a:rPr lang="en-US" sz="2000" b="1">
+              <a:rPr lang="en-US" sz="2000" b="1" dirty="0">
                 <a:solidFill>
                   <a:schemeClr val="tx2"/>
                 </a:solidFill>
@@ -33375,7 +33685,76 @@
                   </a:outerShdw>
                 </a:effectLst>
               </a:rPr>
-              <a:t>1)   left</a:t>
+              <a:t>a)   left</a:t>
+            </a:r>
+          </a:p>
+          <a:p>
+            <a:pPr marL="285750" indent="-285750">
+              <a:lnSpc>
+                <a:spcPct val="80000"/>
+              </a:lnSpc>
+              <a:spcBef>
+                <a:spcPct val="50000"/>
+              </a:spcBef>
+            </a:pPr>
+            <a:r>
+              <a:rPr lang="en-US" sz="2000" b="1" dirty="0">
+                <a:solidFill>
+                  <a:schemeClr val="tx2"/>
+                </a:solidFill>
+                <a:effectLst>
+                  <a:outerShdw blurRad="38100" dist="38100" dir="2700000" algn="tl">
+                    <a:srgbClr val="000000"/>
+                  </a:outerShdw>
+                </a:effectLst>
+              </a:rPr>
+              <a:t>b)   right</a:t>
+            </a:r>
+          </a:p>
+          <a:p>
+            <a:pPr marL="285750" indent="-285750">
+              <a:lnSpc>
+                <a:spcPct val="80000"/>
+              </a:lnSpc>
+              <a:spcBef>
+                <a:spcPct val="50000"/>
+              </a:spcBef>
+            </a:pPr>
+            <a:r>
+              <a:rPr lang="en-US" sz="2000" b="1" dirty="0">
+                <a:solidFill>
+                  <a:schemeClr val="tx2"/>
+                </a:solidFill>
+                <a:effectLst>
+                  <a:outerShdw blurRad="38100" dist="38100" dir="2700000" algn="tl">
+                    <a:srgbClr val="000000"/>
+                  </a:outerShdw>
+                </a:effectLst>
+              </a:rPr>
+              <a:t>c)   zero</a:t>
+            </a:r>
+          </a:p>
+          <a:p>
+            <a:pPr marL="285750" indent="-285750">
+              <a:lnSpc>
+                <a:spcPct val="80000"/>
+              </a:lnSpc>
+              <a:spcBef>
+                <a:spcPct val="50000"/>
+              </a:spcBef>
+            </a:pPr>
+            <a:r>
+              <a:rPr lang="en-US" sz="2000" b="1" dirty="0">
+                <a:solidFill>
+                  <a:schemeClr val="tx2"/>
+                </a:solidFill>
+                <a:effectLst>
+                  <a:outerShdw blurRad="38100" dist="38100" dir="2700000" algn="tl">
+                    <a:srgbClr val="000000"/>
+                  </a:outerShdw>
+                </a:effectLst>
+              </a:rPr>
+              <a:t>d)  into the page</a:t>
             </a:r>
           </a:p>
           <a:p>
@@ -33398,20 +33777,10 @@
                   </a:outerShdw>
                 </a:effectLst>
               </a:rPr>
-              <a:t>2)   right</a:t>
+              <a:t>e)  </a:t>
             </a:r>
-          </a:p>
-          <a:p>
-            <a:pPr marL="285750" indent="-285750">
-              <a:lnSpc>
-                <a:spcPct val="80000"/>
-              </a:lnSpc>
-              <a:spcBef>
-                <a:spcPct val="50000"/>
-              </a:spcBef>
-            </a:pPr>
             <a:r>
-              <a:rPr lang="en-US" sz="2000" b="1">
+              <a:rPr lang="en-US" sz="2000" b="1" dirty="0">
                 <a:solidFill>
                   <a:schemeClr val="tx2"/>
                 </a:solidFill>
@@ -33421,53 +33790,7 @@
                   </a:outerShdw>
                 </a:effectLst>
               </a:rPr>
-              <a:t>3)   zero</a:t>
-            </a:r>
-          </a:p>
-          <a:p>
-            <a:pPr marL="285750" indent="-285750">
-              <a:lnSpc>
-                <a:spcPct val="80000"/>
-              </a:lnSpc>
-              <a:spcBef>
-                <a:spcPct val="50000"/>
-              </a:spcBef>
-            </a:pPr>
-            <a:r>
-              <a:rPr lang="en-US" sz="2000" b="1">
-                <a:solidFill>
-                  <a:schemeClr val="tx2"/>
-                </a:solidFill>
-                <a:effectLst>
-                  <a:outerShdw blurRad="38100" dist="38100" dir="2700000" algn="tl">
-                    <a:srgbClr val="000000"/>
-                  </a:outerShdw>
-                </a:effectLst>
-              </a:rPr>
-              <a:t>4)  into the page</a:t>
-            </a:r>
-          </a:p>
-          <a:p>
-            <a:pPr marL="285750" indent="-285750">
-              <a:lnSpc>
-                <a:spcPct val="80000"/>
-              </a:lnSpc>
-              <a:spcBef>
-                <a:spcPct val="50000"/>
-              </a:spcBef>
-            </a:pPr>
-            <a:r>
-              <a:rPr lang="en-US" sz="2000" b="1">
-                <a:solidFill>
-                  <a:schemeClr val="tx2"/>
-                </a:solidFill>
-                <a:effectLst>
-                  <a:outerShdw blurRad="38100" dist="38100" dir="2700000" algn="tl">
-                    <a:srgbClr val="000000"/>
-                  </a:outerShdw>
-                </a:effectLst>
-              </a:rPr>
-              <a:t>5)  out of the page</a:t>
+              <a:t>out of the page</a:t>
             </a:r>
           </a:p>
         </p:txBody>
@@ -34382,7 +34705,7 @@
         <p:spPr bwMode="auto">
           <a:xfrm>
             <a:off x="5121275" y="879475"/>
-            <a:ext cx="3756025" cy="1924050"/>
+            <a:ext cx="3756025" cy="1945790"/>
           </a:xfrm>
           <a:prstGeom prst="rect">
             <a:avLst/>
@@ -34411,7 +34734,7 @@
               </a:spcBef>
             </a:pPr>
             <a:r>
-              <a:rPr lang="en-US" sz="2000" b="1">
+              <a:rPr lang="en-US" sz="2000" b="1" dirty="0">
                 <a:solidFill>
                   <a:schemeClr val="tx2"/>
                 </a:solidFill>
@@ -34421,7 +34744,76 @@
                   </a:outerShdw>
                 </a:effectLst>
               </a:rPr>
-              <a:t>1)   left</a:t>
+              <a:t>a)   left</a:t>
+            </a:r>
+          </a:p>
+          <a:p>
+            <a:pPr marL="285750" indent="-285750">
+              <a:lnSpc>
+                <a:spcPct val="80000"/>
+              </a:lnSpc>
+              <a:spcBef>
+                <a:spcPct val="50000"/>
+              </a:spcBef>
+            </a:pPr>
+            <a:r>
+              <a:rPr lang="en-US" sz="2000" b="1" dirty="0">
+                <a:solidFill>
+                  <a:schemeClr val="tx2"/>
+                </a:solidFill>
+                <a:effectLst>
+                  <a:outerShdw blurRad="38100" dist="38100" dir="2700000" algn="tl">
+                    <a:srgbClr val="000000"/>
+                  </a:outerShdw>
+                </a:effectLst>
+              </a:rPr>
+              <a:t>b)   right</a:t>
+            </a:r>
+          </a:p>
+          <a:p>
+            <a:pPr marL="285750" indent="-285750">
+              <a:lnSpc>
+                <a:spcPct val="80000"/>
+              </a:lnSpc>
+              <a:spcBef>
+                <a:spcPct val="50000"/>
+              </a:spcBef>
+            </a:pPr>
+            <a:r>
+              <a:rPr lang="en-US" sz="2000" b="1" dirty="0">
+                <a:solidFill>
+                  <a:schemeClr val="tx2"/>
+                </a:solidFill>
+                <a:effectLst>
+                  <a:outerShdw blurRad="38100" dist="38100" dir="2700000" algn="tl">
+                    <a:srgbClr val="000000"/>
+                  </a:outerShdw>
+                </a:effectLst>
+              </a:rPr>
+              <a:t>c)   zero</a:t>
+            </a:r>
+          </a:p>
+          <a:p>
+            <a:pPr marL="285750" indent="-285750">
+              <a:lnSpc>
+                <a:spcPct val="80000"/>
+              </a:lnSpc>
+              <a:spcBef>
+                <a:spcPct val="50000"/>
+              </a:spcBef>
+            </a:pPr>
+            <a:r>
+              <a:rPr lang="en-US" sz="2000" b="1" dirty="0">
+                <a:solidFill>
+                  <a:schemeClr val="tx2"/>
+                </a:solidFill>
+                <a:effectLst>
+                  <a:outerShdw blurRad="38100" dist="38100" dir="2700000" algn="tl">
+                    <a:srgbClr val="000000"/>
+                  </a:outerShdw>
+                </a:effectLst>
+              </a:rPr>
+              <a:t>d)  into the page</a:t>
             </a:r>
           </a:p>
           <a:p>
@@ -34444,20 +34836,10 @@
                   </a:outerShdw>
                 </a:effectLst>
               </a:rPr>
-              <a:t>2)   right</a:t>
+              <a:t>e)  </a:t>
             </a:r>
-          </a:p>
-          <a:p>
-            <a:pPr marL="285750" indent="-285750">
-              <a:lnSpc>
-                <a:spcPct val="80000"/>
-              </a:lnSpc>
-              <a:spcBef>
-                <a:spcPct val="50000"/>
-              </a:spcBef>
-            </a:pPr>
             <a:r>
-              <a:rPr lang="en-US" sz="2000" b="1">
+              <a:rPr lang="en-US" sz="2000" b="1" dirty="0">
                 <a:solidFill>
                   <a:schemeClr val="tx2"/>
                 </a:solidFill>
@@ -34467,53 +34849,7 @@
                   </a:outerShdw>
                 </a:effectLst>
               </a:rPr>
-              <a:t>3)   zero</a:t>
-            </a:r>
-          </a:p>
-          <a:p>
-            <a:pPr marL="285750" indent="-285750">
-              <a:lnSpc>
-                <a:spcPct val="80000"/>
-              </a:lnSpc>
-              <a:spcBef>
-                <a:spcPct val="50000"/>
-              </a:spcBef>
-            </a:pPr>
-            <a:r>
-              <a:rPr lang="en-US" sz="2000" b="1">
-                <a:solidFill>
-                  <a:schemeClr val="tx2"/>
-                </a:solidFill>
-                <a:effectLst>
-                  <a:outerShdw blurRad="38100" dist="38100" dir="2700000" algn="tl">
-                    <a:srgbClr val="000000"/>
-                  </a:outerShdw>
-                </a:effectLst>
-              </a:rPr>
-              <a:t>4)  into the page</a:t>
-            </a:r>
-          </a:p>
-          <a:p>
-            <a:pPr marL="285750" indent="-285750">
-              <a:lnSpc>
-                <a:spcPct val="80000"/>
-              </a:lnSpc>
-              <a:spcBef>
-                <a:spcPct val="50000"/>
-              </a:spcBef>
-            </a:pPr>
-            <a:r>
-              <a:rPr lang="en-US" sz="2000" b="1">
-                <a:solidFill>
-                  <a:schemeClr val="tx2"/>
-                </a:solidFill>
-                <a:effectLst>
-                  <a:outerShdw blurRad="38100" dist="38100" dir="2700000" algn="tl">
-                    <a:srgbClr val="000000"/>
-                  </a:outerShdw>
-                </a:effectLst>
-              </a:rPr>
-              <a:t>5)  out of the page</a:t>
+              <a:t>out of the page</a:t>
             </a:r>
           </a:p>
         </p:txBody>
@@ -34873,7 +35209,7 @@
         <p:spPr bwMode="auto">
           <a:xfrm>
             <a:off x="5886450" y="747713"/>
-            <a:ext cx="2987675" cy="1924050"/>
+            <a:ext cx="2987675" cy="1945790"/>
           </a:xfrm>
           <a:prstGeom prst="rect">
             <a:avLst/>
@@ -34902,7 +35238,7 @@
               </a:spcBef>
             </a:pPr>
             <a:r>
-              <a:rPr lang="en-US" sz="2000" b="1">
+              <a:rPr lang="en-US" sz="2000" b="1" dirty="0">
                 <a:solidFill>
                   <a:schemeClr val="tx2"/>
                 </a:solidFill>
@@ -34912,7 +35248,76 @@
                   </a:outerShdw>
                 </a:effectLst>
               </a:rPr>
-              <a:t>1)   left</a:t>
+              <a:t>a)   left</a:t>
+            </a:r>
+          </a:p>
+          <a:p>
+            <a:pPr marL="285750" indent="-285750">
+              <a:lnSpc>
+                <a:spcPct val="80000"/>
+              </a:lnSpc>
+              <a:spcBef>
+                <a:spcPct val="50000"/>
+              </a:spcBef>
+            </a:pPr>
+            <a:r>
+              <a:rPr lang="en-US" sz="2000" b="1" dirty="0">
+                <a:solidFill>
+                  <a:schemeClr val="tx2"/>
+                </a:solidFill>
+                <a:effectLst>
+                  <a:outerShdw blurRad="38100" dist="38100" dir="2700000" algn="tl">
+                    <a:srgbClr val="000000"/>
+                  </a:outerShdw>
+                </a:effectLst>
+              </a:rPr>
+              <a:t>b)   right</a:t>
+            </a:r>
+          </a:p>
+          <a:p>
+            <a:pPr marL="285750" indent="-285750">
+              <a:lnSpc>
+                <a:spcPct val="80000"/>
+              </a:lnSpc>
+              <a:spcBef>
+                <a:spcPct val="50000"/>
+              </a:spcBef>
+            </a:pPr>
+            <a:r>
+              <a:rPr lang="en-US" sz="2000" b="1" dirty="0">
+                <a:solidFill>
+                  <a:schemeClr val="tx2"/>
+                </a:solidFill>
+                <a:effectLst>
+                  <a:outerShdw blurRad="38100" dist="38100" dir="2700000" algn="tl">
+                    <a:srgbClr val="000000"/>
+                  </a:outerShdw>
+                </a:effectLst>
+              </a:rPr>
+              <a:t>c)   zero</a:t>
+            </a:r>
+          </a:p>
+          <a:p>
+            <a:pPr marL="285750" indent="-285750">
+              <a:lnSpc>
+                <a:spcPct val="80000"/>
+              </a:lnSpc>
+              <a:spcBef>
+                <a:spcPct val="50000"/>
+              </a:spcBef>
+            </a:pPr>
+            <a:r>
+              <a:rPr lang="en-US" sz="2000" b="1" dirty="0">
+                <a:solidFill>
+                  <a:schemeClr val="tx2"/>
+                </a:solidFill>
+                <a:effectLst>
+                  <a:outerShdw blurRad="38100" dist="38100" dir="2700000" algn="tl">
+                    <a:srgbClr val="000000"/>
+                  </a:outerShdw>
+                </a:effectLst>
+              </a:rPr>
+              <a:t>d)   into the page</a:t>
             </a:r>
           </a:p>
           <a:p>
@@ -34935,20 +35340,10 @@
                   </a:outerShdw>
                 </a:effectLst>
               </a:rPr>
-              <a:t>2)   right</a:t>
+              <a:t>e)   </a:t>
             </a:r>
-          </a:p>
-          <a:p>
-            <a:pPr marL="285750" indent="-285750">
-              <a:lnSpc>
-                <a:spcPct val="80000"/>
-              </a:lnSpc>
-              <a:spcBef>
-                <a:spcPct val="50000"/>
-              </a:spcBef>
-            </a:pPr>
             <a:r>
-              <a:rPr lang="en-US" sz="2000" b="1">
+              <a:rPr lang="en-US" sz="2000" b="1" dirty="0">
                 <a:solidFill>
                   <a:schemeClr val="tx2"/>
                 </a:solidFill>
@@ -34958,53 +35353,7 @@
                   </a:outerShdw>
                 </a:effectLst>
               </a:rPr>
-              <a:t>3)   zero</a:t>
-            </a:r>
-          </a:p>
-          <a:p>
-            <a:pPr marL="285750" indent="-285750">
-              <a:lnSpc>
-                <a:spcPct val="80000"/>
-              </a:lnSpc>
-              <a:spcBef>
-                <a:spcPct val="50000"/>
-              </a:spcBef>
-            </a:pPr>
-            <a:r>
-              <a:rPr lang="en-US" sz="2000" b="1">
-                <a:solidFill>
-                  <a:schemeClr val="tx2"/>
-                </a:solidFill>
-                <a:effectLst>
-                  <a:outerShdw blurRad="38100" dist="38100" dir="2700000" algn="tl">
-                    <a:srgbClr val="000000"/>
-                  </a:outerShdw>
-                </a:effectLst>
-              </a:rPr>
-              <a:t>4)   into the page</a:t>
-            </a:r>
-          </a:p>
-          <a:p>
-            <a:pPr marL="285750" indent="-285750">
-              <a:lnSpc>
-                <a:spcPct val="80000"/>
-              </a:lnSpc>
-              <a:spcBef>
-                <a:spcPct val="50000"/>
-              </a:spcBef>
-            </a:pPr>
-            <a:r>
-              <a:rPr lang="en-US" sz="2000" b="1">
-                <a:solidFill>
-                  <a:schemeClr val="tx2"/>
-                </a:solidFill>
-                <a:effectLst>
-                  <a:outerShdw blurRad="38100" dist="38100" dir="2700000" algn="tl">
-                    <a:srgbClr val="000000"/>
-                  </a:outerShdw>
-                </a:effectLst>
-              </a:rPr>
-              <a:t>5)   out of the page</a:t>
+              <a:t>out of the page</a:t>
             </a:r>
           </a:p>
         </p:txBody>
@@ -36330,7 +36679,7 @@
         <p:spPr bwMode="auto">
           <a:xfrm>
             <a:off x="5283200" y="712788"/>
-            <a:ext cx="3370263" cy="1924050"/>
+            <a:ext cx="3370263" cy="1945790"/>
           </a:xfrm>
           <a:prstGeom prst="rect">
             <a:avLst/>
@@ -36359,7 +36708,7 @@
               </a:spcBef>
             </a:pPr>
             <a:r>
-              <a:rPr lang="en-US" sz="2000" b="1">
+              <a:rPr lang="en-US" sz="2000" b="1" dirty="0">
                 <a:solidFill>
                   <a:schemeClr val="tx2"/>
                 </a:solidFill>
@@ -36369,10 +36718,10 @@
                   </a:outerShdw>
                 </a:effectLst>
               </a:rPr>
-              <a:t>1)   + </a:t>
+              <a:t>a)   + </a:t>
             </a:r>
             <a:r>
-              <a:rPr lang="en-US" sz="2000" b="1" i="1">
+              <a:rPr lang="en-US" sz="2000" b="1" i="1" dirty="0">
                 <a:solidFill>
                   <a:schemeClr val="tx2"/>
                 </a:solidFill>
@@ -36385,7 +36734,7 @@
               <a:t>z</a:t>
             </a:r>
             <a:r>
-              <a:rPr lang="en-US" sz="2000" b="1">
+              <a:rPr lang="en-US" sz="2000" b="1" dirty="0">
                 <a:solidFill>
                   <a:schemeClr val="tx2"/>
                 </a:solidFill>
@@ -36408,7 +36757,7 @@
               </a:spcBef>
             </a:pPr>
             <a:r>
-              <a:rPr lang="en-US" sz="2000" b="1">
+              <a:rPr lang="en-US" sz="2000" b="1" dirty="0">
                 <a:solidFill>
                   <a:schemeClr val="tx2"/>
                 </a:solidFill>
@@ -36418,10 +36767,10 @@
                   </a:outerShdw>
                 </a:effectLst>
               </a:rPr>
-              <a:t>2)   -  </a:t>
+              <a:t>b)   -  </a:t>
             </a:r>
             <a:r>
-              <a:rPr lang="en-US" sz="2000" b="1" i="1">
+              <a:rPr lang="en-US" sz="2000" b="1" i="1" dirty="0">
                 <a:solidFill>
                   <a:schemeClr val="tx2"/>
                 </a:solidFill>
@@ -36434,7 +36783,7 @@
               <a:t>z</a:t>
             </a:r>
             <a:r>
-              <a:rPr lang="en-US" sz="2000" b="1">
+              <a:rPr lang="en-US" sz="2000" b="1" dirty="0">
                 <a:solidFill>
                   <a:schemeClr val="tx2"/>
                 </a:solidFill>
@@ -36457,7 +36806,7 @@
               </a:spcBef>
             </a:pPr>
             <a:r>
-              <a:rPr lang="en-US" sz="2000" b="1">
+              <a:rPr lang="en-US" sz="2000" b="1" dirty="0">
                 <a:solidFill>
                   <a:schemeClr val="tx2"/>
                 </a:solidFill>
@@ -36467,10 +36816,46 @@
                   </a:outerShdw>
                 </a:effectLst>
               </a:rPr>
-              <a:t>3)   + </a:t>
+              <a:t>c)   + </a:t>
             </a:r>
             <a:r>
-              <a:rPr lang="en-US" sz="2000" b="1" i="1">
+              <a:rPr lang="en-US" sz="2000" b="1" i="1" dirty="0">
+                <a:solidFill>
+                  <a:schemeClr val="tx2"/>
+                </a:solidFill>
+                <a:effectLst>
+                  <a:outerShdw blurRad="38100" dist="38100" dir="2700000" algn="tl">
+                    <a:srgbClr val="000000"/>
+                  </a:outerShdw>
+                </a:effectLst>
+              </a:rPr>
+              <a:t>x</a:t>
+            </a:r>
+          </a:p>
+          <a:p>
+            <a:pPr marL="285750" indent="-285750">
+              <a:lnSpc>
+                <a:spcPct val="80000"/>
+              </a:lnSpc>
+              <a:spcBef>
+                <a:spcPct val="50000"/>
+              </a:spcBef>
+            </a:pPr>
+            <a:r>
+              <a:rPr lang="en-US" sz="2000" b="1" dirty="0">
+                <a:solidFill>
+                  <a:schemeClr val="tx2"/>
+                </a:solidFill>
+                <a:effectLst>
+                  <a:outerShdw blurRad="38100" dist="38100" dir="2700000" algn="tl">
+                    <a:srgbClr val="000000"/>
+                  </a:outerShdw>
+                </a:effectLst>
+              </a:rPr>
+              <a:t>d)   - </a:t>
+            </a:r>
+            <a:r>
+              <a:rPr lang="en-US" sz="2000" b="1" i="1" dirty="0">
                 <a:solidFill>
                   <a:schemeClr val="tx2"/>
                 </a:solidFill>
@@ -36503,10 +36888,10 @@
                   </a:outerShdw>
                 </a:effectLst>
               </a:rPr>
-              <a:t>4)   - </a:t>
+              <a:t>e)   </a:t>
             </a:r>
             <a:r>
-              <a:rPr lang="en-US" sz="2000" b="1" i="1">
+              <a:rPr lang="en-US" sz="2000" b="1" dirty="0">
                 <a:solidFill>
                   <a:schemeClr val="tx2"/>
                 </a:solidFill>
@@ -36516,33 +36901,10 @@
                   </a:outerShdw>
                 </a:effectLst>
               </a:rPr>
-              <a:t>x</a:t>
-            </a:r>
-          </a:p>
-          <a:p>
-            <a:pPr marL="285750" indent="-285750">
-              <a:lnSpc>
-                <a:spcPct val="80000"/>
-              </a:lnSpc>
-              <a:spcBef>
-                <a:spcPct val="50000"/>
-              </a:spcBef>
-            </a:pPr>
-            <a:r>
-              <a:rPr lang="en-US" sz="2000" b="1">
-                <a:solidFill>
-                  <a:schemeClr val="tx2"/>
-                </a:solidFill>
-                <a:effectLst>
-                  <a:outerShdw blurRad="38100" dist="38100" dir="2700000" algn="tl">
-                    <a:srgbClr val="000000"/>
-                  </a:outerShdw>
-                </a:effectLst>
-              </a:rPr>
-              <a:t>5)   - </a:t>
+              <a:t>- </a:t>
             </a:r>
             <a:r>
-              <a:rPr lang="en-US" sz="2000" b="1" i="1">
+              <a:rPr lang="en-US" sz="2000" b="1" i="1" dirty="0">
                 <a:solidFill>
                   <a:schemeClr val="tx2"/>
                 </a:solidFill>
@@ -37543,7 +37905,7 @@
         <p:spPr bwMode="auto">
           <a:xfrm>
             <a:off x="5283200" y="712788"/>
-            <a:ext cx="3370263" cy="1924050"/>
+            <a:ext cx="3370263" cy="1945790"/>
           </a:xfrm>
           <a:prstGeom prst="rect">
             <a:avLst/>
@@ -37572,7 +37934,7 @@
               </a:spcBef>
             </a:pPr>
             <a:r>
-              <a:rPr lang="en-US" sz="2000" b="1">
+              <a:rPr lang="en-US" sz="2000" b="1" dirty="0">
                 <a:solidFill>
                   <a:schemeClr val="tx2"/>
                 </a:solidFill>
@@ -37582,10 +37944,10 @@
                   </a:outerShdw>
                 </a:effectLst>
               </a:rPr>
-              <a:t>1)   + </a:t>
+              <a:t>a)   + </a:t>
             </a:r>
             <a:r>
-              <a:rPr lang="en-US" sz="2000" b="1" i="1">
+              <a:rPr lang="en-US" sz="2000" b="1" i="1" dirty="0">
                 <a:solidFill>
                   <a:schemeClr val="tx2"/>
                 </a:solidFill>
@@ -37598,7 +37960,7 @@
               <a:t>z</a:t>
             </a:r>
             <a:r>
-              <a:rPr lang="en-US" sz="2000" b="1">
+              <a:rPr lang="en-US" sz="2000" b="1" dirty="0">
                 <a:solidFill>
                   <a:schemeClr val="tx2"/>
                 </a:solidFill>
@@ -37621,7 +37983,7 @@
               </a:spcBef>
             </a:pPr>
             <a:r>
-              <a:rPr lang="en-US" sz="2000" b="1">
+              <a:rPr lang="en-US" sz="2000" b="1" dirty="0">
                 <a:solidFill>
                   <a:schemeClr val="tx2"/>
                 </a:solidFill>
@@ -37631,10 +37993,10 @@
                   </a:outerShdw>
                 </a:effectLst>
               </a:rPr>
-              <a:t>2)   -  </a:t>
+              <a:t>b)   -  </a:t>
             </a:r>
             <a:r>
-              <a:rPr lang="en-US" sz="2000" b="1" i="1">
+              <a:rPr lang="en-US" sz="2000" b="1" i="1" dirty="0">
                 <a:solidFill>
                   <a:schemeClr val="tx2"/>
                 </a:solidFill>
@@ -37647,7 +38009,7 @@
               <a:t>z</a:t>
             </a:r>
             <a:r>
-              <a:rPr lang="en-US" sz="2000" b="1">
+              <a:rPr lang="en-US" sz="2000" b="1" dirty="0">
                 <a:solidFill>
                   <a:schemeClr val="tx2"/>
                 </a:solidFill>
@@ -37670,7 +38032,7 @@
               </a:spcBef>
             </a:pPr>
             <a:r>
-              <a:rPr lang="en-US" sz="2000" b="1">
+              <a:rPr lang="en-US" sz="2000" b="1" dirty="0">
                 <a:solidFill>
                   <a:schemeClr val="tx2"/>
                 </a:solidFill>
@@ -37680,10 +38042,46 @@
                   </a:outerShdw>
                 </a:effectLst>
               </a:rPr>
-              <a:t>3)   + </a:t>
+              <a:t>c)   + </a:t>
             </a:r>
             <a:r>
-              <a:rPr lang="en-US" sz="2000" b="1" i="1">
+              <a:rPr lang="en-US" sz="2000" b="1" i="1" dirty="0">
+                <a:solidFill>
+                  <a:schemeClr val="tx2"/>
+                </a:solidFill>
+                <a:effectLst>
+                  <a:outerShdw blurRad="38100" dist="38100" dir="2700000" algn="tl">
+                    <a:srgbClr val="000000"/>
+                  </a:outerShdw>
+                </a:effectLst>
+              </a:rPr>
+              <a:t>x</a:t>
+            </a:r>
+          </a:p>
+          <a:p>
+            <a:pPr marL="285750" indent="-285750">
+              <a:lnSpc>
+                <a:spcPct val="80000"/>
+              </a:lnSpc>
+              <a:spcBef>
+                <a:spcPct val="50000"/>
+              </a:spcBef>
+            </a:pPr>
+            <a:r>
+              <a:rPr lang="en-US" sz="2000" b="1" dirty="0">
+                <a:solidFill>
+                  <a:schemeClr val="tx2"/>
+                </a:solidFill>
+                <a:effectLst>
+                  <a:outerShdw blurRad="38100" dist="38100" dir="2700000" algn="tl">
+                    <a:srgbClr val="000000"/>
+                  </a:outerShdw>
+                </a:effectLst>
+              </a:rPr>
+              <a:t>d)   - </a:t>
+            </a:r>
+            <a:r>
+              <a:rPr lang="en-US" sz="2000" b="1" i="1" dirty="0">
                 <a:solidFill>
                   <a:schemeClr val="tx2"/>
                 </a:solidFill>
@@ -37716,10 +38114,10 @@
                   </a:outerShdw>
                 </a:effectLst>
               </a:rPr>
-              <a:t>4)   - </a:t>
+              <a:t>e)   </a:t>
             </a:r>
             <a:r>
-              <a:rPr lang="en-US" sz="2000" b="1" i="1">
+              <a:rPr lang="en-US" sz="2000" b="1" dirty="0">
                 <a:solidFill>
                   <a:schemeClr val="tx2"/>
                 </a:solidFill>
@@ -37729,33 +38127,10 @@
                   </a:outerShdw>
                 </a:effectLst>
               </a:rPr>
-              <a:t>x</a:t>
-            </a:r>
-          </a:p>
-          <a:p>
-            <a:pPr marL="285750" indent="-285750">
-              <a:lnSpc>
-                <a:spcPct val="80000"/>
-              </a:lnSpc>
-              <a:spcBef>
-                <a:spcPct val="50000"/>
-              </a:spcBef>
-            </a:pPr>
-            <a:r>
-              <a:rPr lang="en-US" sz="2000" b="1">
-                <a:solidFill>
-                  <a:schemeClr val="tx2"/>
-                </a:solidFill>
-                <a:effectLst>
-                  <a:outerShdw blurRad="38100" dist="38100" dir="2700000" algn="tl">
-                    <a:srgbClr val="000000"/>
-                  </a:outerShdw>
-                </a:effectLst>
-              </a:rPr>
-              <a:t>5)   - </a:t>
+              <a:t>- </a:t>
             </a:r>
             <a:r>
-              <a:rPr lang="en-US" sz="2000" b="1" i="1">
+              <a:rPr lang="en-US" sz="2000" b="1" i="1" dirty="0">
                 <a:solidFill>
                   <a:schemeClr val="tx2"/>
                 </a:solidFill>
@@ -38362,7 +38737,7 @@
         <p:spPr bwMode="auto">
           <a:xfrm>
             <a:off x="5859463" y="801688"/>
-            <a:ext cx="2987675" cy="1924050"/>
+            <a:ext cx="2987675" cy="1945790"/>
           </a:xfrm>
           <a:prstGeom prst="rect">
             <a:avLst/>
@@ -38391,7 +38766,7 @@
               </a:spcBef>
             </a:pPr>
             <a:r>
-              <a:rPr lang="en-US" sz="2000" b="1">
+              <a:rPr lang="en-US" sz="2000" b="1" dirty="0">
                 <a:solidFill>
                   <a:schemeClr val="tx2"/>
                 </a:solidFill>
@@ -38401,7 +38776,76 @@
                   </a:outerShdw>
                 </a:effectLst>
               </a:rPr>
-              <a:t>1)   left</a:t>
+              <a:t>a)   left</a:t>
+            </a:r>
+          </a:p>
+          <a:p>
+            <a:pPr marL="285750" indent="-285750">
+              <a:lnSpc>
+                <a:spcPct val="80000"/>
+              </a:lnSpc>
+              <a:spcBef>
+                <a:spcPct val="50000"/>
+              </a:spcBef>
+            </a:pPr>
+            <a:r>
+              <a:rPr lang="en-US" sz="2000" b="1" dirty="0">
+                <a:solidFill>
+                  <a:schemeClr val="tx2"/>
+                </a:solidFill>
+                <a:effectLst>
+                  <a:outerShdw blurRad="38100" dist="38100" dir="2700000" algn="tl">
+                    <a:srgbClr val="000000"/>
+                  </a:outerShdw>
+                </a:effectLst>
+              </a:rPr>
+              <a:t>b)   right</a:t>
+            </a:r>
+          </a:p>
+          <a:p>
+            <a:pPr marL="285750" indent="-285750">
+              <a:lnSpc>
+                <a:spcPct val="80000"/>
+              </a:lnSpc>
+              <a:spcBef>
+                <a:spcPct val="50000"/>
+              </a:spcBef>
+            </a:pPr>
+            <a:r>
+              <a:rPr lang="en-US" sz="2000" b="1" dirty="0">
+                <a:solidFill>
+                  <a:schemeClr val="tx2"/>
+                </a:solidFill>
+                <a:effectLst>
+                  <a:outerShdw blurRad="38100" dist="38100" dir="2700000" algn="tl">
+                    <a:srgbClr val="000000"/>
+                  </a:outerShdw>
+                </a:effectLst>
+              </a:rPr>
+              <a:t>c)   zero</a:t>
+            </a:r>
+          </a:p>
+          <a:p>
+            <a:pPr marL="285750" indent="-285750">
+              <a:lnSpc>
+                <a:spcPct val="80000"/>
+              </a:lnSpc>
+              <a:spcBef>
+                <a:spcPct val="50000"/>
+              </a:spcBef>
+            </a:pPr>
+            <a:r>
+              <a:rPr lang="en-US" sz="2000" b="1" dirty="0">
+                <a:solidFill>
+                  <a:schemeClr val="tx2"/>
+                </a:solidFill>
+                <a:effectLst>
+                  <a:outerShdw blurRad="38100" dist="38100" dir="2700000" algn="tl">
+                    <a:srgbClr val="000000"/>
+                  </a:outerShdw>
+                </a:effectLst>
+              </a:rPr>
+              <a:t>d)   into the page</a:t>
             </a:r>
           </a:p>
           <a:p>
@@ -38424,20 +38868,10 @@
                   </a:outerShdw>
                 </a:effectLst>
               </a:rPr>
-              <a:t>2)   right</a:t>
+              <a:t>e)   </a:t>
             </a:r>
-          </a:p>
-          <a:p>
-            <a:pPr marL="285750" indent="-285750">
-              <a:lnSpc>
-                <a:spcPct val="80000"/>
-              </a:lnSpc>
-              <a:spcBef>
-                <a:spcPct val="50000"/>
-              </a:spcBef>
-            </a:pPr>
             <a:r>
-              <a:rPr lang="en-US" sz="2000" b="1">
+              <a:rPr lang="en-US" sz="2000" b="1" dirty="0">
                 <a:solidFill>
                   <a:schemeClr val="tx2"/>
                 </a:solidFill>
@@ -38447,53 +38881,7 @@
                   </a:outerShdw>
                 </a:effectLst>
               </a:rPr>
-              <a:t>3)   zero</a:t>
-            </a:r>
-          </a:p>
-          <a:p>
-            <a:pPr marL="285750" indent="-285750">
-              <a:lnSpc>
-                <a:spcPct val="80000"/>
-              </a:lnSpc>
-              <a:spcBef>
-                <a:spcPct val="50000"/>
-              </a:spcBef>
-            </a:pPr>
-            <a:r>
-              <a:rPr lang="en-US" sz="2000" b="1">
-                <a:solidFill>
-                  <a:schemeClr val="tx2"/>
-                </a:solidFill>
-                <a:effectLst>
-                  <a:outerShdw blurRad="38100" dist="38100" dir="2700000" algn="tl">
-                    <a:srgbClr val="000000"/>
-                  </a:outerShdw>
-                </a:effectLst>
-              </a:rPr>
-              <a:t>4)   into the page</a:t>
-            </a:r>
-          </a:p>
-          <a:p>
-            <a:pPr marL="285750" indent="-285750">
-              <a:lnSpc>
-                <a:spcPct val="80000"/>
-              </a:lnSpc>
-              <a:spcBef>
-                <a:spcPct val="50000"/>
-              </a:spcBef>
-            </a:pPr>
-            <a:r>
-              <a:rPr lang="en-US" sz="2000" b="1">
-                <a:solidFill>
-                  <a:schemeClr val="tx2"/>
-                </a:solidFill>
-                <a:effectLst>
-                  <a:outerShdw blurRad="38100" dist="38100" dir="2700000" algn="tl">
-                    <a:srgbClr val="000000"/>
-                  </a:outerShdw>
-                </a:effectLst>
-              </a:rPr>
-              <a:t>5)   out of the page</a:t>
+              <a:t>out of the page</a:t>
             </a:r>
           </a:p>
         </p:txBody>
@@ -39342,7 +39730,7 @@
         <p:spPr bwMode="auto">
           <a:xfrm>
             <a:off x="5859463" y="801688"/>
-            <a:ext cx="2987675" cy="1924050"/>
+            <a:ext cx="2987675" cy="1945790"/>
           </a:xfrm>
           <a:prstGeom prst="rect">
             <a:avLst/>
@@ -39371,7 +39759,7 @@
               </a:spcBef>
             </a:pPr>
             <a:r>
-              <a:rPr lang="en-US" sz="2000" b="1">
+              <a:rPr lang="en-US" sz="2000" b="1" dirty="0">
                 <a:solidFill>
                   <a:schemeClr val="tx2"/>
                 </a:solidFill>
@@ -39381,7 +39769,76 @@
                   </a:outerShdw>
                 </a:effectLst>
               </a:rPr>
-              <a:t>1)   left</a:t>
+              <a:t>a)   left</a:t>
+            </a:r>
+          </a:p>
+          <a:p>
+            <a:pPr marL="285750" indent="-285750">
+              <a:lnSpc>
+                <a:spcPct val="80000"/>
+              </a:lnSpc>
+              <a:spcBef>
+                <a:spcPct val="50000"/>
+              </a:spcBef>
+            </a:pPr>
+            <a:r>
+              <a:rPr lang="en-US" sz="2000" b="1" dirty="0">
+                <a:solidFill>
+                  <a:schemeClr val="tx2"/>
+                </a:solidFill>
+                <a:effectLst>
+                  <a:outerShdw blurRad="38100" dist="38100" dir="2700000" algn="tl">
+                    <a:srgbClr val="000000"/>
+                  </a:outerShdw>
+                </a:effectLst>
+              </a:rPr>
+              <a:t>b)   right</a:t>
+            </a:r>
+          </a:p>
+          <a:p>
+            <a:pPr marL="285750" indent="-285750">
+              <a:lnSpc>
+                <a:spcPct val="80000"/>
+              </a:lnSpc>
+              <a:spcBef>
+                <a:spcPct val="50000"/>
+              </a:spcBef>
+            </a:pPr>
+            <a:r>
+              <a:rPr lang="en-US" sz="2000" b="1" dirty="0">
+                <a:solidFill>
+                  <a:schemeClr val="tx2"/>
+                </a:solidFill>
+                <a:effectLst>
+                  <a:outerShdw blurRad="38100" dist="38100" dir="2700000" algn="tl">
+                    <a:srgbClr val="000000"/>
+                  </a:outerShdw>
+                </a:effectLst>
+              </a:rPr>
+              <a:t>c)   zero</a:t>
+            </a:r>
+          </a:p>
+          <a:p>
+            <a:pPr marL="285750" indent="-285750">
+              <a:lnSpc>
+                <a:spcPct val="80000"/>
+              </a:lnSpc>
+              <a:spcBef>
+                <a:spcPct val="50000"/>
+              </a:spcBef>
+            </a:pPr>
+            <a:r>
+              <a:rPr lang="en-US" sz="2000" b="1" dirty="0">
+                <a:solidFill>
+                  <a:schemeClr val="tx2"/>
+                </a:solidFill>
+                <a:effectLst>
+                  <a:outerShdw blurRad="38100" dist="38100" dir="2700000" algn="tl">
+                    <a:srgbClr val="000000"/>
+                  </a:outerShdw>
+                </a:effectLst>
+              </a:rPr>
+              <a:t>d)   into the page</a:t>
             </a:r>
           </a:p>
           <a:p>
@@ -39404,20 +39861,10 @@
                   </a:outerShdw>
                 </a:effectLst>
               </a:rPr>
-              <a:t>2)   right</a:t>
+              <a:t>e)   </a:t>
             </a:r>
-          </a:p>
-          <a:p>
-            <a:pPr marL="285750" indent="-285750">
-              <a:lnSpc>
-                <a:spcPct val="80000"/>
-              </a:lnSpc>
-              <a:spcBef>
-                <a:spcPct val="50000"/>
-              </a:spcBef>
-            </a:pPr>
             <a:r>
-              <a:rPr lang="en-US" sz="2000" b="1">
+              <a:rPr lang="en-US" sz="2000" b="1" dirty="0">
                 <a:solidFill>
                   <a:schemeClr val="tx2"/>
                 </a:solidFill>
@@ -39427,53 +39874,7 @@
                   </a:outerShdw>
                 </a:effectLst>
               </a:rPr>
-              <a:t>3)   zero</a:t>
-            </a:r>
-          </a:p>
-          <a:p>
-            <a:pPr marL="285750" indent="-285750">
-              <a:lnSpc>
-                <a:spcPct val="80000"/>
-              </a:lnSpc>
-              <a:spcBef>
-                <a:spcPct val="50000"/>
-              </a:spcBef>
-            </a:pPr>
-            <a:r>
-              <a:rPr lang="en-US" sz="2000" b="1">
-                <a:solidFill>
-                  <a:schemeClr val="tx2"/>
-                </a:solidFill>
-                <a:effectLst>
-                  <a:outerShdw blurRad="38100" dist="38100" dir="2700000" algn="tl">
-                    <a:srgbClr val="000000"/>
-                  </a:outerShdw>
-                </a:effectLst>
-              </a:rPr>
-              <a:t>4)   into the page</a:t>
-            </a:r>
-          </a:p>
-          <a:p>
-            <a:pPr marL="285750" indent="-285750">
-              <a:lnSpc>
-                <a:spcPct val="80000"/>
-              </a:lnSpc>
-              <a:spcBef>
-                <a:spcPct val="50000"/>
-              </a:spcBef>
-            </a:pPr>
-            <a:r>
-              <a:rPr lang="en-US" sz="2000" b="1">
-                <a:solidFill>
-                  <a:schemeClr val="tx2"/>
-                </a:solidFill>
-                <a:effectLst>
-                  <a:outerShdw blurRad="38100" dist="38100" dir="2700000" algn="tl">
-                    <a:srgbClr val="000000"/>
-                  </a:outerShdw>
-                </a:effectLst>
-              </a:rPr>
-              <a:t>5)   out of the page</a:t>
+              <a:t>out of the page</a:t>
             </a:r>
           </a:p>
         </p:txBody>
@@ -40947,7 +41348,7 @@
               </a:spcBef>
             </a:pPr>
             <a:r>
-              <a:rPr lang="en-US" sz="2000" b="1">
+              <a:rPr lang="en-US" sz="2000" b="1" dirty="0">
                 <a:solidFill>
                   <a:schemeClr val="tx2"/>
                 </a:solidFill>
@@ -40957,7 +41358,7 @@
                   </a:outerShdw>
                 </a:effectLst>
               </a:rPr>
-              <a:t>1)   toward each other</a:t>
+              <a:t>a)   toward each other</a:t>
             </a:r>
           </a:p>
           <a:p>
@@ -40970,7 +41371,7 @@
               </a:spcBef>
             </a:pPr>
             <a:r>
-              <a:rPr lang="en-US" sz="2000" b="1">
+              <a:rPr lang="en-US" sz="2000" b="1" dirty="0">
                 <a:solidFill>
                   <a:schemeClr val="tx2"/>
                 </a:solidFill>
@@ -40980,7 +41381,7 @@
                   </a:outerShdw>
                 </a:effectLst>
               </a:rPr>
-              <a:t>2)   away from each other</a:t>
+              <a:t>b)   away from each other</a:t>
             </a:r>
           </a:p>
           <a:p>
@@ -40993,7 +41394,7 @@
               </a:spcBef>
             </a:pPr>
             <a:r>
-              <a:rPr lang="en-US" sz="2000" b="1">
+              <a:rPr lang="en-US" sz="2000" b="1" dirty="0">
                 <a:solidFill>
                   <a:schemeClr val="tx2"/>
                 </a:solidFill>
@@ -41003,7 +41404,7 @@
                   </a:outerShdw>
                 </a:effectLst>
               </a:rPr>
-              <a:t>3)   there is no force</a:t>
+              <a:t>c)   there is no force</a:t>
             </a:r>
           </a:p>
         </p:txBody>
@@ -41485,7 +41886,7 @@
               </a:spcBef>
             </a:pPr>
             <a:r>
-              <a:rPr lang="en-US" sz="2000" b="1">
+              <a:rPr lang="en-US" sz="2000" b="1" dirty="0">
                 <a:solidFill>
                   <a:schemeClr val="tx2"/>
                 </a:solidFill>
@@ -41495,7 +41896,7 @@
                   </a:outerShdw>
                 </a:effectLst>
               </a:rPr>
-              <a:t>1)   toward each other</a:t>
+              <a:t>a)   toward each other</a:t>
             </a:r>
           </a:p>
           <a:p>
@@ -41508,7 +41909,7 @@
               </a:spcBef>
             </a:pPr>
             <a:r>
-              <a:rPr lang="en-US" sz="2000" b="1">
+              <a:rPr lang="en-US" sz="2000" b="1" dirty="0">
                 <a:solidFill>
                   <a:schemeClr val="tx2"/>
                 </a:solidFill>
@@ -41518,7 +41919,7 @@
                   </a:outerShdw>
                 </a:effectLst>
               </a:rPr>
-              <a:t>2)   away from each other</a:t>
+              <a:t>b)   away from each other</a:t>
             </a:r>
           </a:p>
           <a:p>
@@ -41531,7 +41932,7 @@
               </a:spcBef>
             </a:pPr>
             <a:r>
-              <a:rPr lang="en-US" sz="2000" b="1">
+              <a:rPr lang="en-US" sz="2000" b="1" dirty="0">
                 <a:solidFill>
                   <a:schemeClr val="tx2"/>
                 </a:solidFill>
@@ -41541,7 +41942,7 @@
                   </a:outerShdw>
                 </a:effectLst>
               </a:rPr>
-              <a:t>3)   there is no force</a:t>
+              <a:t>c)   there is no force</a:t>
             </a:r>
           </a:p>
         </p:txBody>
